--- a/Ta_Duc_Viet/Memory and Native Code Performance.pptx
+++ b/Ta_Duc_Viet/Memory and Native Code Performance.pptx
@@ -913,7 +913,7 @@
           <a:p>
             <a:fld id="{5C2BEB1A-0575-4EB7-A65C-E8C3E599BD94}" type="datetimeFigureOut">
               <a:rPr lang="en-US" smtClean="0"/>
-              <a:t>9/13/2014</a:t>
+              <a:t>9/22/2014</a:t>
             </a:fld>
             <a:endParaRPr lang="en-US"/>
           </a:p>
@@ -1164,7 +1164,7 @@
           <a:p>
             <a:fld id="{5C2BEB1A-0575-4EB7-A65C-E8C3E599BD94}" type="datetimeFigureOut">
               <a:rPr lang="en-US" smtClean="0"/>
-              <a:t>9/13/2014</a:t>
+              <a:t>9/22/2014</a:t>
             </a:fld>
             <a:endParaRPr lang="en-US"/>
           </a:p>
@@ -1478,7 +1478,7 @@
           <a:p>
             <a:fld id="{5C2BEB1A-0575-4EB7-A65C-E8C3E599BD94}" type="datetimeFigureOut">
               <a:rPr lang="en-US" smtClean="0"/>
-              <a:t>9/13/2014</a:t>
+              <a:t>9/22/2014</a:t>
             </a:fld>
             <a:endParaRPr lang="en-US"/>
           </a:p>
@@ -1811,7 +1811,7 @@
           <a:p>
             <a:fld id="{5C2BEB1A-0575-4EB7-A65C-E8C3E599BD94}" type="datetimeFigureOut">
               <a:rPr lang="en-US" smtClean="0"/>
-              <a:t>9/13/2014</a:t>
+              <a:t>9/22/2014</a:t>
             </a:fld>
             <a:endParaRPr lang="en-US"/>
           </a:p>
@@ -2125,7 +2125,7 @@
           <a:p>
             <a:fld id="{5C2BEB1A-0575-4EB7-A65C-E8C3E599BD94}" type="datetimeFigureOut">
               <a:rPr lang="en-US" smtClean="0"/>
-              <a:t>9/13/2014</a:t>
+              <a:t>9/22/2014</a:t>
             </a:fld>
             <a:endParaRPr lang="en-US"/>
           </a:p>
@@ -2518,7 +2518,7 @@
           <a:p>
             <a:fld id="{5C2BEB1A-0575-4EB7-A65C-E8C3E599BD94}" type="datetimeFigureOut">
               <a:rPr lang="en-US" smtClean="0"/>
-              <a:t>9/13/2014</a:t>
+              <a:t>9/22/2014</a:t>
             </a:fld>
             <a:endParaRPr lang="en-US"/>
           </a:p>
@@ -2688,7 +2688,7 @@
           <a:p>
             <a:fld id="{5C2BEB1A-0575-4EB7-A65C-E8C3E599BD94}" type="datetimeFigureOut">
               <a:rPr lang="en-US" smtClean="0"/>
-              <a:t>9/13/2014</a:t>
+              <a:t>9/22/2014</a:t>
             </a:fld>
             <a:endParaRPr lang="en-US"/>
           </a:p>
@@ -2868,7 +2868,7 @@
           <a:p>
             <a:fld id="{5C2BEB1A-0575-4EB7-A65C-E8C3E599BD94}" type="datetimeFigureOut">
               <a:rPr lang="en-US" smtClean="0"/>
-              <a:t>9/13/2014</a:t>
+              <a:t>9/22/2014</a:t>
             </a:fld>
             <a:endParaRPr lang="en-US"/>
           </a:p>
@@ -3038,7 +3038,7 @@
           <a:p>
             <a:fld id="{5C2BEB1A-0575-4EB7-A65C-E8C3E599BD94}" type="datetimeFigureOut">
               <a:rPr lang="en-US" smtClean="0"/>
-              <a:t>9/13/2014</a:t>
+              <a:t>9/22/2014</a:t>
             </a:fld>
             <a:endParaRPr lang="en-US"/>
           </a:p>
@@ -3285,7 +3285,7 @@
           <a:p>
             <a:fld id="{5C2BEB1A-0575-4EB7-A65C-E8C3E599BD94}" type="datetimeFigureOut">
               <a:rPr lang="en-US" smtClean="0"/>
-              <a:t>9/13/2014</a:t>
+              <a:t>9/22/2014</a:t>
             </a:fld>
             <a:endParaRPr lang="en-US"/>
           </a:p>
@@ -3582,7 +3582,7 @@
           <a:p>
             <a:fld id="{5C2BEB1A-0575-4EB7-A65C-E8C3E599BD94}" type="datetimeFigureOut">
               <a:rPr lang="en-US" smtClean="0"/>
-              <a:t>9/13/2014</a:t>
+              <a:t>9/22/2014</a:t>
             </a:fld>
             <a:endParaRPr lang="en-US"/>
           </a:p>
@@ -3961,7 +3961,7 @@
           <a:p>
             <a:fld id="{5C2BEB1A-0575-4EB7-A65C-E8C3E599BD94}" type="datetimeFigureOut">
               <a:rPr lang="en-US" smtClean="0"/>
-              <a:t>9/13/2014</a:t>
+              <a:t>9/22/2014</a:t>
             </a:fld>
             <a:endParaRPr lang="en-US"/>
           </a:p>
@@ -4084,7 +4084,7 @@
           <a:p>
             <a:fld id="{5C2BEB1A-0575-4EB7-A65C-E8C3E599BD94}" type="datetimeFigureOut">
               <a:rPr lang="en-US" smtClean="0"/>
-              <a:t>9/13/2014</a:t>
+              <a:t>9/22/2014</a:t>
             </a:fld>
             <a:endParaRPr lang="en-US"/>
           </a:p>
@@ -4179,7 +4179,7 @@
           <a:p>
             <a:fld id="{5C2BEB1A-0575-4EB7-A65C-E8C3E599BD94}" type="datetimeFigureOut">
               <a:rPr lang="en-US" smtClean="0"/>
-              <a:t>9/13/2014</a:t>
+              <a:t>9/22/2014</a:t>
             </a:fld>
             <a:endParaRPr lang="en-US"/>
           </a:p>
@@ -4434,7 +4434,7 @@
           <a:p>
             <a:fld id="{5C2BEB1A-0575-4EB7-A65C-E8C3E599BD94}" type="datetimeFigureOut">
               <a:rPr lang="en-US" smtClean="0"/>
-              <a:t>9/13/2014</a:t>
+              <a:t>9/22/2014</a:t>
             </a:fld>
             <a:endParaRPr lang="en-US"/>
           </a:p>
@@ -4697,7 +4697,7 @@
           <a:p>
             <a:fld id="{5C2BEB1A-0575-4EB7-A65C-E8C3E599BD94}" type="datetimeFigureOut">
               <a:rPr lang="en-US" smtClean="0"/>
-              <a:t>9/13/2014</a:t>
+              <a:t>9/22/2014</a:t>
             </a:fld>
             <a:endParaRPr lang="en-US"/>
           </a:p>
@@ -5511,7 +5511,7 @@
           <a:p>
             <a:fld id="{5C2BEB1A-0575-4EB7-A65C-E8C3E599BD94}" type="datetimeFigureOut">
               <a:rPr lang="en-US" smtClean="0"/>
-              <a:t>9/13/2014</a:t>
+              <a:t>9/22/2014</a:t>
             </a:fld>
             <a:endParaRPr lang="en-US"/>
           </a:p>
@@ -6078,8 +6078,8 @@
         </p:nvSpPr>
         <p:spPr>
           <a:xfrm>
-            <a:off x="643945" y="4050834"/>
-            <a:ext cx="6313370" cy="2414360"/>
+            <a:off x="643944" y="4050834"/>
+            <a:ext cx="6952609" cy="2414360"/>
           </a:xfrm>
         </p:spPr>
         <p:txBody>
@@ -6091,407 +6091,418 @@
             <a:pPr algn="l"/>
             <a:r>
               <a:rPr lang="en-US" err="1">
-                <a:latin typeface="Times New Roman" pitchFamily="18" charset="0"/>
+                <a:latin typeface="Arial" panose="020B0604020202020204" pitchFamily="34" charset="0"/>
                 <a:ea typeface="Tahoma" pitchFamily="34" charset="0"/>
-                <a:cs typeface="Times New Roman" pitchFamily="18" charset="0"/>
+                <a:cs typeface="Arial" panose="020B0604020202020204" pitchFamily="34" charset="0"/>
               </a:rPr>
               <a:t>Họ</a:t>
             </a:r>
             <a:r>
               <a:rPr lang="en-US">
-                <a:latin typeface="Times New Roman" pitchFamily="18" charset="0"/>
+                <a:latin typeface="Arial" panose="020B0604020202020204" pitchFamily="34" charset="0"/>
                 <a:ea typeface="Tahoma" pitchFamily="34" charset="0"/>
-                <a:cs typeface="Times New Roman" pitchFamily="18" charset="0"/>
+                <a:cs typeface="Arial" panose="020B0604020202020204" pitchFamily="34" charset="0"/>
               </a:rPr>
               <a:t> </a:t>
             </a:r>
             <a:r>
               <a:rPr lang="en-US" err="1">
-                <a:latin typeface="Times New Roman" pitchFamily="18" charset="0"/>
+                <a:latin typeface="Arial" panose="020B0604020202020204" pitchFamily="34" charset="0"/>
                 <a:ea typeface="Tahoma" pitchFamily="34" charset="0"/>
-                <a:cs typeface="Times New Roman" pitchFamily="18" charset="0"/>
+                <a:cs typeface="Arial" panose="020B0604020202020204" pitchFamily="34" charset="0"/>
               </a:rPr>
               <a:t>và</a:t>
             </a:r>
             <a:r>
               <a:rPr lang="en-US">
-                <a:latin typeface="Times New Roman" pitchFamily="18" charset="0"/>
+                <a:latin typeface="Arial" panose="020B0604020202020204" pitchFamily="34" charset="0"/>
                 <a:ea typeface="Tahoma" pitchFamily="34" charset="0"/>
-                <a:cs typeface="Times New Roman" pitchFamily="18" charset="0"/>
+                <a:cs typeface="Arial" panose="020B0604020202020204" pitchFamily="34" charset="0"/>
               </a:rPr>
               <a:t> </a:t>
             </a:r>
             <a:r>
               <a:rPr lang="en-US" err="1">
-                <a:latin typeface="Times New Roman" pitchFamily="18" charset="0"/>
+                <a:latin typeface="Arial" panose="020B0604020202020204" pitchFamily="34" charset="0"/>
                 <a:ea typeface="Tahoma" pitchFamily="34" charset="0"/>
-                <a:cs typeface="Times New Roman" pitchFamily="18" charset="0"/>
+                <a:cs typeface="Arial" panose="020B0604020202020204" pitchFamily="34" charset="0"/>
               </a:rPr>
               <a:t>tên</a:t>
             </a:r>
             <a:r>
               <a:rPr lang="en-US">
-                <a:latin typeface="Times New Roman" pitchFamily="18" charset="0"/>
+                <a:latin typeface="Arial" panose="020B0604020202020204" pitchFamily="34" charset="0"/>
                 <a:ea typeface="Tahoma" pitchFamily="34" charset="0"/>
-                <a:cs typeface="Times New Roman" pitchFamily="18" charset="0"/>
+                <a:cs typeface="Arial" panose="020B0604020202020204" pitchFamily="34" charset="0"/>
               </a:rPr>
               <a:t>: </a:t>
             </a:r>
             <a:r>
               <a:rPr lang="en-US" err="1" smtClean="0">
-                <a:latin typeface="Times New Roman" pitchFamily="18" charset="0"/>
+                <a:latin typeface="Arial" panose="020B0604020202020204" pitchFamily="34" charset="0"/>
                 <a:ea typeface="Tahoma" pitchFamily="34" charset="0"/>
-                <a:cs typeface="Times New Roman" pitchFamily="18" charset="0"/>
+                <a:cs typeface="Arial" panose="020B0604020202020204" pitchFamily="34" charset="0"/>
               </a:rPr>
               <a:t>Tạ</a:t>
             </a:r>
             <a:r>
               <a:rPr lang="en-US" smtClean="0">
-                <a:latin typeface="Times New Roman" pitchFamily="18" charset="0"/>
+                <a:latin typeface="Arial" panose="020B0604020202020204" pitchFamily="34" charset="0"/>
                 <a:ea typeface="Tahoma" pitchFamily="34" charset="0"/>
-                <a:cs typeface="Times New Roman" pitchFamily="18" charset="0"/>
+                <a:cs typeface="Arial" panose="020B0604020202020204" pitchFamily="34" charset="0"/>
               </a:rPr>
               <a:t> </a:t>
             </a:r>
             <a:r>
               <a:rPr lang="en-US" err="1" smtClean="0">
-                <a:latin typeface="Times New Roman" pitchFamily="18" charset="0"/>
+                <a:latin typeface="Arial" panose="020B0604020202020204" pitchFamily="34" charset="0"/>
                 <a:ea typeface="Tahoma" pitchFamily="34" charset="0"/>
-                <a:cs typeface="Times New Roman" pitchFamily="18" charset="0"/>
+                <a:cs typeface="Arial" panose="020B0604020202020204" pitchFamily="34" charset="0"/>
               </a:rPr>
               <a:t>Đức</a:t>
             </a:r>
             <a:r>
               <a:rPr lang="en-US" smtClean="0">
-                <a:latin typeface="Times New Roman" pitchFamily="18" charset="0"/>
+                <a:latin typeface="Arial" panose="020B0604020202020204" pitchFamily="34" charset="0"/>
                 <a:ea typeface="Tahoma" pitchFamily="34" charset="0"/>
-                <a:cs typeface="Times New Roman" pitchFamily="18" charset="0"/>
+                <a:cs typeface="Arial" panose="020B0604020202020204" pitchFamily="34" charset="0"/>
               </a:rPr>
               <a:t> </a:t>
             </a:r>
             <a:r>
               <a:rPr lang="en-US" err="1" smtClean="0">
-                <a:latin typeface="Times New Roman" pitchFamily="18" charset="0"/>
+                <a:latin typeface="Arial" panose="020B0604020202020204" pitchFamily="34" charset="0"/>
                 <a:ea typeface="Tahoma" pitchFamily="34" charset="0"/>
-                <a:cs typeface="Times New Roman" pitchFamily="18" charset="0"/>
+                <a:cs typeface="Arial" panose="020B0604020202020204" pitchFamily="34" charset="0"/>
               </a:rPr>
               <a:t>Việt</a:t>
             </a:r>
             <a:endParaRPr lang="en-US">
-              <a:latin typeface="Times New Roman" pitchFamily="18" charset="0"/>
+              <a:latin typeface="Arial" panose="020B0604020202020204" pitchFamily="34" charset="0"/>
               <a:ea typeface="Tahoma" pitchFamily="34" charset="0"/>
-              <a:cs typeface="Times New Roman" pitchFamily="18" charset="0"/>
+              <a:cs typeface="Arial" panose="020B0604020202020204" pitchFamily="34" charset="0"/>
             </a:endParaRPr>
           </a:p>
           <a:p>
             <a:pPr algn="l"/>
             <a:r>
               <a:rPr lang="en-US" err="1">
-                <a:latin typeface="Times New Roman" pitchFamily="18" charset="0"/>
+                <a:latin typeface="Arial" panose="020B0604020202020204" pitchFamily="34" charset="0"/>
                 <a:ea typeface="Tahoma" pitchFamily="34" charset="0"/>
-                <a:cs typeface="Times New Roman" pitchFamily="18" charset="0"/>
+                <a:cs typeface="Arial" panose="020B0604020202020204" pitchFamily="34" charset="0"/>
               </a:rPr>
               <a:t>Giảng</a:t>
             </a:r>
             <a:r>
               <a:rPr lang="en-US">
-                <a:latin typeface="Times New Roman" pitchFamily="18" charset="0"/>
+                <a:latin typeface="Arial" panose="020B0604020202020204" pitchFamily="34" charset="0"/>
                 <a:ea typeface="Tahoma" pitchFamily="34" charset="0"/>
-                <a:cs typeface="Times New Roman" pitchFamily="18" charset="0"/>
+                <a:cs typeface="Arial" panose="020B0604020202020204" pitchFamily="34" charset="0"/>
               </a:rPr>
               <a:t> </a:t>
             </a:r>
             <a:r>
               <a:rPr lang="en-US" err="1">
-                <a:latin typeface="Times New Roman" pitchFamily="18" charset="0"/>
+                <a:latin typeface="Arial" panose="020B0604020202020204" pitchFamily="34" charset="0"/>
                 <a:ea typeface="Tahoma" pitchFamily="34" charset="0"/>
-                <a:cs typeface="Times New Roman" pitchFamily="18" charset="0"/>
+                <a:cs typeface="Arial" panose="020B0604020202020204" pitchFamily="34" charset="0"/>
               </a:rPr>
               <a:t>viên</a:t>
             </a:r>
             <a:r>
               <a:rPr lang="en-US">
-                <a:latin typeface="Times New Roman" pitchFamily="18" charset="0"/>
+                <a:latin typeface="Arial" panose="020B0604020202020204" pitchFamily="34" charset="0"/>
                 <a:ea typeface="Tahoma" pitchFamily="34" charset="0"/>
-                <a:cs typeface="Times New Roman" pitchFamily="18" charset="0"/>
+                <a:cs typeface="Arial" panose="020B0604020202020204" pitchFamily="34" charset="0"/>
               </a:rPr>
               <a:t>: TS. </a:t>
             </a:r>
             <a:r>
               <a:rPr lang="en-US" err="1">
-                <a:latin typeface="Times New Roman" pitchFamily="18" charset="0"/>
+                <a:latin typeface="Arial" panose="020B0604020202020204" pitchFamily="34" charset="0"/>
                 <a:ea typeface="Tahoma" pitchFamily="34" charset="0"/>
-                <a:cs typeface="Times New Roman" pitchFamily="18" charset="0"/>
+                <a:cs typeface="Arial" panose="020B0604020202020204" pitchFamily="34" charset="0"/>
               </a:rPr>
               <a:t>Trương</a:t>
             </a:r>
             <a:r>
               <a:rPr lang="en-US">
-                <a:latin typeface="Times New Roman" pitchFamily="18" charset="0"/>
+                <a:latin typeface="Arial" panose="020B0604020202020204" pitchFamily="34" charset="0"/>
                 <a:ea typeface="Tahoma" pitchFamily="34" charset="0"/>
-                <a:cs typeface="Times New Roman" pitchFamily="18" charset="0"/>
+                <a:cs typeface="Arial" panose="020B0604020202020204" pitchFamily="34" charset="0"/>
               </a:rPr>
               <a:t> </a:t>
             </a:r>
             <a:r>
               <a:rPr lang="en-US" err="1">
-                <a:latin typeface="Times New Roman" pitchFamily="18" charset="0"/>
+                <a:latin typeface="Arial" panose="020B0604020202020204" pitchFamily="34" charset="0"/>
                 <a:ea typeface="Tahoma" pitchFamily="34" charset="0"/>
-                <a:cs typeface="Times New Roman" pitchFamily="18" charset="0"/>
+                <a:cs typeface="Arial" panose="020B0604020202020204" pitchFamily="34" charset="0"/>
               </a:rPr>
               <a:t>Anh</a:t>
             </a:r>
             <a:r>
               <a:rPr lang="en-US">
-                <a:latin typeface="Times New Roman" pitchFamily="18" charset="0"/>
+                <a:latin typeface="Arial" panose="020B0604020202020204" pitchFamily="34" charset="0"/>
                 <a:ea typeface="Tahoma" pitchFamily="34" charset="0"/>
-                <a:cs typeface="Times New Roman" pitchFamily="18" charset="0"/>
+                <a:cs typeface="Arial" panose="020B0604020202020204" pitchFamily="34" charset="0"/>
               </a:rPr>
               <a:t> </a:t>
             </a:r>
             <a:r>
               <a:rPr lang="en-US" err="1">
-                <a:latin typeface="Times New Roman" pitchFamily="18" charset="0"/>
+                <a:latin typeface="Arial" panose="020B0604020202020204" pitchFamily="34" charset="0"/>
                 <a:ea typeface="Tahoma" pitchFamily="34" charset="0"/>
-                <a:cs typeface="Times New Roman" pitchFamily="18" charset="0"/>
+                <a:cs typeface="Arial" panose="020B0604020202020204" pitchFamily="34" charset="0"/>
               </a:rPr>
               <a:t>Hoàng</a:t>
             </a:r>
             <a:endParaRPr lang="en-US">
-              <a:latin typeface="Times New Roman" pitchFamily="18" charset="0"/>
+              <a:latin typeface="Arial" panose="020B0604020202020204" pitchFamily="34" charset="0"/>
               <a:ea typeface="Tahoma" pitchFamily="34" charset="0"/>
-              <a:cs typeface="Times New Roman" pitchFamily="18" charset="0"/>
+              <a:cs typeface="Arial" panose="020B0604020202020204" pitchFamily="34" charset="0"/>
             </a:endParaRPr>
           </a:p>
           <a:p>
             <a:pPr algn="l"/>
             <a:r>
               <a:rPr lang="en-US" err="1">
-                <a:latin typeface="Times New Roman" pitchFamily="18" charset="0"/>
+                <a:latin typeface="Arial" panose="020B0604020202020204" pitchFamily="34" charset="0"/>
                 <a:ea typeface="Tahoma" pitchFamily="34" charset="0"/>
-                <a:cs typeface="Times New Roman" pitchFamily="18" charset="0"/>
+                <a:cs typeface="Arial" panose="020B0604020202020204" pitchFamily="34" charset="0"/>
               </a:rPr>
               <a:t>Môn</a:t>
             </a:r>
             <a:r>
               <a:rPr lang="en-US">
-                <a:latin typeface="Times New Roman" pitchFamily="18" charset="0"/>
+                <a:latin typeface="Arial" panose="020B0604020202020204" pitchFamily="34" charset="0"/>
                 <a:ea typeface="Tahoma" pitchFamily="34" charset="0"/>
-                <a:cs typeface="Times New Roman" pitchFamily="18" charset="0"/>
+                <a:cs typeface="Arial" panose="020B0604020202020204" pitchFamily="34" charset="0"/>
               </a:rPr>
               <a:t> </a:t>
             </a:r>
             <a:r>
               <a:rPr lang="en-US" err="1">
-                <a:latin typeface="Times New Roman" pitchFamily="18" charset="0"/>
+                <a:latin typeface="Arial" panose="020B0604020202020204" pitchFamily="34" charset="0"/>
                 <a:ea typeface="Tahoma" pitchFamily="34" charset="0"/>
-                <a:cs typeface="Times New Roman" pitchFamily="18" charset="0"/>
+                <a:cs typeface="Arial" panose="020B0604020202020204" pitchFamily="34" charset="0"/>
               </a:rPr>
               <a:t>học</a:t>
             </a:r>
             <a:r>
               <a:rPr lang="en-US">
-                <a:latin typeface="Times New Roman" pitchFamily="18" charset="0"/>
+                <a:latin typeface="Arial" panose="020B0604020202020204" pitchFamily="34" charset="0"/>
                 <a:ea typeface="Tahoma" pitchFamily="34" charset="0"/>
-                <a:cs typeface="Times New Roman" pitchFamily="18" charset="0"/>
+                <a:cs typeface="Arial" panose="020B0604020202020204" pitchFamily="34" charset="0"/>
               </a:rPr>
               <a:t>: </a:t>
             </a:r>
             <a:r>
               <a:rPr lang="en-US" err="1">
-                <a:latin typeface="Times New Roman" pitchFamily="18" charset="0"/>
+                <a:latin typeface="Arial" panose="020B0604020202020204" pitchFamily="34" charset="0"/>
                 <a:ea typeface="Tahoma" pitchFamily="34" charset="0"/>
-                <a:cs typeface="Times New Roman" pitchFamily="18" charset="0"/>
+                <a:cs typeface="Arial" panose="020B0604020202020204" pitchFamily="34" charset="0"/>
               </a:rPr>
               <a:t>Các</a:t>
             </a:r>
             <a:r>
               <a:rPr lang="en-US">
-                <a:latin typeface="Times New Roman" pitchFamily="18" charset="0"/>
+                <a:latin typeface="Arial" panose="020B0604020202020204" pitchFamily="34" charset="0"/>
                 <a:ea typeface="Tahoma" pitchFamily="34" charset="0"/>
-                <a:cs typeface="Times New Roman" pitchFamily="18" charset="0"/>
+                <a:cs typeface="Arial" panose="020B0604020202020204" pitchFamily="34" charset="0"/>
               </a:rPr>
               <a:t> </a:t>
             </a:r>
             <a:r>
               <a:rPr lang="en-US" err="1">
-                <a:latin typeface="Times New Roman" pitchFamily="18" charset="0"/>
+                <a:latin typeface="Arial" panose="020B0604020202020204" pitchFamily="34" charset="0"/>
                 <a:ea typeface="Tahoma" pitchFamily="34" charset="0"/>
-                <a:cs typeface="Times New Roman" pitchFamily="18" charset="0"/>
+                <a:cs typeface="Arial" panose="020B0604020202020204" pitchFamily="34" charset="0"/>
               </a:rPr>
               <a:t>vấn</a:t>
             </a:r>
             <a:r>
               <a:rPr lang="en-US">
-                <a:latin typeface="Times New Roman" pitchFamily="18" charset="0"/>
+                <a:latin typeface="Arial" panose="020B0604020202020204" pitchFamily="34" charset="0"/>
                 <a:ea typeface="Tahoma" pitchFamily="34" charset="0"/>
-                <a:cs typeface="Times New Roman" pitchFamily="18" charset="0"/>
+                <a:cs typeface="Arial" panose="020B0604020202020204" pitchFamily="34" charset="0"/>
               </a:rPr>
               <a:t> </a:t>
             </a:r>
             <a:r>
               <a:rPr lang="en-US" err="1">
-                <a:latin typeface="Times New Roman" pitchFamily="18" charset="0"/>
+                <a:latin typeface="Arial" panose="020B0604020202020204" pitchFamily="34" charset="0"/>
                 <a:ea typeface="Tahoma" pitchFamily="34" charset="0"/>
-                <a:cs typeface="Times New Roman" pitchFamily="18" charset="0"/>
+                <a:cs typeface="Arial" panose="020B0604020202020204" pitchFamily="34" charset="0"/>
               </a:rPr>
               <a:t>đề</a:t>
             </a:r>
             <a:r>
               <a:rPr lang="en-US">
-                <a:latin typeface="Times New Roman" pitchFamily="18" charset="0"/>
+                <a:latin typeface="Arial" panose="020B0604020202020204" pitchFamily="34" charset="0"/>
                 <a:ea typeface="Tahoma" pitchFamily="34" charset="0"/>
-                <a:cs typeface="Times New Roman" pitchFamily="18" charset="0"/>
+                <a:cs typeface="Arial" panose="020B0604020202020204" pitchFamily="34" charset="0"/>
               </a:rPr>
               <a:t> </a:t>
             </a:r>
             <a:r>
               <a:rPr lang="en-US" err="1">
-                <a:latin typeface="Times New Roman" pitchFamily="18" charset="0"/>
+                <a:latin typeface="Arial" panose="020B0604020202020204" pitchFamily="34" charset="0"/>
                 <a:ea typeface="Tahoma" pitchFamily="34" charset="0"/>
-                <a:cs typeface="Times New Roman" pitchFamily="18" charset="0"/>
+                <a:cs typeface="Arial" panose="020B0604020202020204" pitchFamily="34" charset="0"/>
               </a:rPr>
               <a:t>hiện</a:t>
             </a:r>
             <a:r>
               <a:rPr lang="en-US">
-                <a:latin typeface="Times New Roman" pitchFamily="18" charset="0"/>
+                <a:latin typeface="Arial" panose="020B0604020202020204" pitchFamily="34" charset="0"/>
                 <a:ea typeface="Tahoma" pitchFamily="34" charset="0"/>
-                <a:cs typeface="Times New Roman" pitchFamily="18" charset="0"/>
+                <a:cs typeface="Arial" panose="020B0604020202020204" pitchFamily="34" charset="0"/>
               </a:rPr>
               <a:t> </a:t>
             </a:r>
             <a:r>
               <a:rPr lang="en-US" err="1">
-                <a:latin typeface="Times New Roman" pitchFamily="18" charset="0"/>
+                <a:latin typeface="Arial" panose="020B0604020202020204" pitchFamily="34" charset="0"/>
                 <a:ea typeface="Tahoma" pitchFamily="34" charset="0"/>
-                <a:cs typeface="Times New Roman" pitchFamily="18" charset="0"/>
+                <a:cs typeface="Arial" panose="020B0604020202020204" pitchFamily="34" charset="0"/>
               </a:rPr>
               <a:t>đại</a:t>
             </a:r>
             <a:r>
               <a:rPr lang="en-US">
-                <a:latin typeface="Times New Roman" pitchFamily="18" charset="0"/>
+                <a:latin typeface="Arial" panose="020B0604020202020204" pitchFamily="34" charset="0"/>
                 <a:ea typeface="Tahoma" pitchFamily="34" charset="0"/>
-                <a:cs typeface="Times New Roman" pitchFamily="18" charset="0"/>
+                <a:cs typeface="Arial" panose="020B0604020202020204" pitchFamily="34" charset="0"/>
               </a:rPr>
               <a:t> </a:t>
             </a:r>
             <a:r>
               <a:rPr lang="en-US" err="1">
-                <a:latin typeface="Times New Roman" pitchFamily="18" charset="0"/>
+                <a:latin typeface="Arial" panose="020B0604020202020204" pitchFamily="34" charset="0"/>
                 <a:ea typeface="Tahoma" pitchFamily="34" charset="0"/>
-                <a:cs typeface="Times New Roman" pitchFamily="18" charset="0"/>
+                <a:cs typeface="Arial" panose="020B0604020202020204" pitchFamily="34" charset="0"/>
               </a:rPr>
               <a:t>của</a:t>
             </a:r>
             <a:r>
               <a:rPr lang="en-US">
-                <a:latin typeface="Times New Roman" pitchFamily="18" charset="0"/>
+                <a:latin typeface="Arial" panose="020B0604020202020204" pitchFamily="34" charset="0"/>
                 <a:ea typeface="Tahoma" pitchFamily="34" charset="0"/>
-                <a:cs typeface="Times New Roman" pitchFamily="18" charset="0"/>
+                <a:cs typeface="Arial" panose="020B0604020202020204" pitchFamily="34" charset="0"/>
               </a:rPr>
               <a:t> </a:t>
             </a:r>
             <a:r>
               <a:rPr lang="en-US" err="1">
-                <a:latin typeface="Times New Roman" pitchFamily="18" charset="0"/>
+                <a:latin typeface="Arial" panose="020B0604020202020204" pitchFamily="34" charset="0"/>
                 <a:ea typeface="Tahoma" pitchFamily="34" charset="0"/>
-                <a:cs typeface="Times New Roman" pitchFamily="18" charset="0"/>
+                <a:cs typeface="Arial" panose="020B0604020202020204" pitchFamily="34" charset="0"/>
               </a:rPr>
               <a:t>công</a:t>
             </a:r>
             <a:r>
               <a:rPr lang="en-US">
-                <a:latin typeface="Times New Roman" pitchFamily="18" charset="0"/>
+                <a:latin typeface="Arial" panose="020B0604020202020204" pitchFamily="34" charset="0"/>
                 <a:ea typeface="Tahoma" pitchFamily="34" charset="0"/>
-                <a:cs typeface="Times New Roman" pitchFamily="18" charset="0"/>
+                <a:cs typeface="Arial" panose="020B0604020202020204" pitchFamily="34" charset="0"/>
               </a:rPr>
               <a:t> </a:t>
             </a:r>
             <a:r>
               <a:rPr lang="en-US" err="1">
-                <a:latin typeface="Times New Roman" pitchFamily="18" charset="0"/>
+                <a:latin typeface="Arial" panose="020B0604020202020204" pitchFamily="34" charset="0"/>
                 <a:ea typeface="Tahoma" pitchFamily="34" charset="0"/>
-                <a:cs typeface="Times New Roman" pitchFamily="18" charset="0"/>
+                <a:cs typeface="Arial" panose="020B0604020202020204" pitchFamily="34" charset="0"/>
               </a:rPr>
               <a:t>nghệ</a:t>
             </a:r>
             <a:r>
               <a:rPr lang="en-US">
-                <a:latin typeface="Times New Roman" pitchFamily="18" charset="0"/>
+                <a:latin typeface="Arial" panose="020B0604020202020204" pitchFamily="34" charset="0"/>
                 <a:ea typeface="Tahoma" pitchFamily="34" charset="0"/>
-                <a:cs typeface="Times New Roman" pitchFamily="18" charset="0"/>
+                <a:cs typeface="Arial" panose="020B0604020202020204" pitchFamily="34" charset="0"/>
               </a:rPr>
               <a:t> </a:t>
             </a:r>
             <a:r>
               <a:rPr lang="en-US" err="1">
-                <a:latin typeface="Times New Roman" pitchFamily="18" charset="0"/>
+                <a:latin typeface="Arial" panose="020B0604020202020204" pitchFamily="34" charset="0"/>
                 <a:ea typeface="Tahoma" pitchFamily="34" charset="0"/>
-                <a:cs typeface="Times New Roman" pitchFamily="18" charset="0"/>
+                <a:cs typeface="Arial" panose="020B0604020202020204" pitchFamily="34" charset="0"/>
               </a:rPr>
               <a:t>phần</a:t>
             </a:r>
             <a:r>
               <a:rPr lang="en-US">
-                <a:latin typeface="Times New Roman" pitchFamily="18" charset="0"/>
+                <a:latin typeface="Arial" panose="020B0604020202020204" pitchFamily="34" charset="0"/>
                 <a:ea typeface="Tahoma" pitchFamily="34" charset="0"/>
-                <a:cs typeface="Times New Roman" pitchFamily="18" charset="0"/>
+                <a:cs typeface="Arial" panose="020B0604020202020204" pitchFamily="34" charset="0"/>
               </a:rPr>
               <a:t> </a:t>
             </a:r>
             <a:r>
               <a:rPr lang="en-US" err="1">
-                <a:latin typeface="Times New Roman" pitchFamily="18" charset="0"/>
+                <a:latin typeface="Arial" panose="020B0604020202020204" pitchFamily="34" charset="0"/>
                 <a:ea typeface="Tahoma" pitchFamily="34" charset="0"/>
-                <a:cs typeface="Times New Roman" pitchFamily="18" charset="0"/>
+                <a:cs typeface="Arial" panose="020B0604020202020204" pitchFamily="34" charset="0"/>
               </a:rPr>
               <a:t>mềm</a:t>
             </a:r>
             <a:r>
               <a:rPr lang="en-US">
-                <a:latin typeface="Times New Roman" pitchFamily="18" charset="0"/>
+                <a:latin typeface="Arial" panose="020B0604020202020204" pitchFamily="34" charset="0"/>
                 <a:ea typeface="Tahoma" pitchFamily="34" charset="0"/>
-                <a:cs typeface="Times New Roman" pitchFamily="18" charset="0"/>
+                <a:cs typeface="Arial" panose="020B0604020202020204" pitchFamily="34" charset="0"/>
               </a:rPr>
               <a:t>.</a:t>
             </a:r>
           </a:p>
           <a:p>
+            <a:endParaRPr lang="en-US">
+              <a:latin typeface="Arial" panose="020B0604020202020204" pitchFamily="34" charset="0"/>
+              <a:ea typeface="Tahoma" pitchFamily="34" charset="0"/>
+              <a:cs typeface="Arial" panose="020B0604020202020204" pitchFamily="34" charset="0"/>
+            </a:endParaRPr>
+          </a:p>
+          <a:p>
             <a:pPr algn="l"/>
+            <a:r>
+              <a:rPr lang="en-US" smtClean="0">
+                <a:latin typeface="Arial" panose="020B0604020202020204" pitchFamily="34" charset="0"/>
+                <a:ea typeface="Tahoma" pitchFamily="34" charset="0"/>
+                <a:cs typeface="Arial" panose="020B0604020202020204" pitchFamily="34" charset="0"/>
+              </a:rPr>
+              <a:t>Source</a:t>
+            </a:r>
+            <a:r>
+              <a:rPr lang="en-US">
+                <a:latin typeface="Arial" panose="020B0604020202020204" pitchFamily="34" charset="0"/>
+                <a:ea typeface="Tahoma" pitchFamily="34" charset="0"/>
+                <a:cs typeface="Arial" panose="020B0604020202020204" pitchFamily="34" charset="0"/>
+              </a:rPr>
+              <a:t>: </a:t>
+            </a:r>
+            <a:r>
+              <a:rPr lang="en-US">
+                <a:latin typeface="Arial" panose="020B0604020202020204" pitchFamily="34" charset="0"/>
+                <a:ea typeface="Tahoma" pitchFamily="34" charset="0"/>
+                <a:cs typeface="Arial" panose="020B0604020202020204" pitchFamily="34" charset="0"/>
+                <a:hlinkClick r:id="rId2"/>
+              </a:rPr>
+              <a:t>http://www.infoq.com/news/2013/06/Native-Performance</a:t>
+            </a:r>
             <a:endParaRPr lang="en-US">
-              <a:latin typeface="Times New Roman" pitchFamily="18" charset="0"/>
+              <a:latin typeface="Arial" panose="020B0604020202020204" pitchFamily="34" charset="0"/>
               <a:ea typeface="Tahoma" pitchFamily="34" charset="0"/>
-              <a:cs typeface="Times New Roman" pitchFamily="18" charset="0"/>
+              <a:cs typeface="Arial" panose="020B0604020202020204" pitchFamily="34" charset="0"/>
             </a:endParaRPr>
           </a:p>
           <a:p>
-            <a:r>
-              <a:rPr lang="en-US">
-                <a:latin typeface="Times New Roman" pitchFamily="18" charset="0"/>
-                <a:ea typeface="Tahoma" pitchFamily="34" charset="0"/>
-                <a:cs typeface="Times New Roman" pitchFamily="18" charset="0"/>
-              </a:rPr>
-              <a:t>Source: </a:t>
-            </a:r>
-            <a:r>
-              <a:rPr lang="en-US">
-                <a:latin typeface="Times New Roman" pitchFamily="18" charset="0"/>
-                <a:ea typeface="Tahoma" pitchFamily="34" charset="0"/>
-                <a:cs typeface="Times New Roman" pitchFamily="18" charset="0"/>
-                <a:hlinkClick r:id="rId2"/>
-              </a:rPr>
-              <a:t>http://www.infoq.com/news/2013/06/Native-Performance</a:t>
-            </a:r>
             <a:endParaRPr lang="en-US">
-              <a:latin typeface="Times New Roman" pitchFamily="18" charset="0"/>
-              <a:ea typeface="Tahoma" pitchFamily="34" charset="0"/>
-              <a:cs typeface="Times New Roman" pitchFamily="18" charset="0"/>
+              <a:latin typeface="Arial" panose="020B0604020202020204" pitchFamily="34" charset="0"/>
+              <a:cs typeface="Arial" panose="020B0604020202020204" pitchFamily="34" charset="0"/>
             </a:endParaRPr>
-          </a:p>
-          <a:p>
-            <a:endParaRPr lang="en-US"/>
           </a:p>
         </p:txBody>
       </p:sp>
@@ -6569,15 +6580,15 @@
           <a:p>
             <a:r>
               <a:rPr lang="en-US" sz="2000">
-                <a:latin typeface="Times New Roman" panose="02020603050405020304" pitchFamily="18" charset="0"/>
-                <a:cs typeface="Times New Roman" panose="02020603050405020304" pitchFamily="18" charset="0"/>
+                <a:latin typeface="Arial" panose="020B0604020202020204" pitchFamily="34" charset="0"/>
+                <a:cs typeface="Arial" panose="020B0604020202020204" pitchFamily="34" charset="0"/>
               </a:rPr>
               <a:t>Với mỗi nhân bộ vi xử lý Intel Sandy </a:t>
             </a:r>
             <a:r>
               <a:rPr lang="en-US" sz="2000" smtClean="0">
-                <a:latin typeface="Times New Roman" panose="02020603050405020304" pitchFamily="18" charset="0"/>
-                <a:cs typeface="Times New Roman" panose="02020603050405020304" pitchFamily="18" charset="0"/>
+                <a:latin typeface="Arial" panose="020B0604020202020204" pitchFamily="34" charset="0"/>
+                <a:cs typeface="Arial" panose="020B0604020202020204" pitchFamily="34" charset="0"/>
               </a:rPr>
               <a:t>Bridge có:</a:t>
             </a:r>
@@ -6586,15 +6597,15 @@
             <a:pPr lvl="1"/>
             <a:r>
               <a:rPr lang="en-US" sz="2000">
-                <a:latin typeface="Times New Roman" panose="02020603050405020304" pitchFamily="18" charset="0"/>
-                <a:cs typeface="Times New Roman" panose="02020603050405020304" pitchFamily="18" charset="0"/>
+                <a:latin typeface="Arial" panose="020B0604020202020204" pitchFamily="34" charset="0"/>
+                <a:cs typeface="Arial" panose="020B0604020202020204" pitchFamily="34" charset="0"/>
               </a:rPr>
               <a:t>6 đường ống (pipeline</a:t>
             </a:r>
             <a:r>
               <a:rPr lang="en-US" sz="2000" smtClean="0">
-                <a:latin typeface="Times New Roman" panose="02020603050405020304" pitchFamily="18" charset="0"/>
-                <a:cs typeface="Times New Roman" panose="02020603050405020304" pitchFamily="18" charset="0"/>
+                <a:latin typeface="Arial" panose="020B0604020202020204" pitchFamily="34" charset="0"/>
+                <a:cs typeface="Arial" panose="020B0604020202020204" pitchFamily="34" charset="0"/>
               </a:rPr>
               <a:t>).</a:t>
             </a:r>
@@ -6603,15 +6614,15 @@
             <a:pPr lvl="1"/>
             <a:r>
               <a:rPr lang="en-US" sz="2000">
-                <a:latin typeface="Times New Roman" panose="02020603050405020304" pitchFamily="18" charset="0"/>
-                <a:cs typeface="Times New Roman" panose="02020603050405020304" pitchFamily="18" charset="0"/>
+                <a:latin typeface="Arial" panose="020B0604020202020204" pitchFamily="34" charset="0"/>
+                <a:cs typeface="Arial" panose="020B0604020202020204" pitchFamily="34" charset="0"/>
               </a:rPr>
               <a:t>64 kB bộ nhớ đệm </a:t>
             </a:r>
             <a:r>
               <a:rPr lang="en-US" sz="2000" smtClean="0">
-                <a:latin typeface="Times New Roman" panose="02020603050405020304" pitchFamily="18" charset="0"/>
-                <a:cs typeface="Times New Roman" panose="02020603050405020304" pitchFamily="18" charset="0"/>
+                <a:latin typeface="Arial" panose="020B0604020202020204" pitchFamily="34" charset="0"/>
+                <a:cs typeface="Arial" panose="020B0604020202020204" pitchFamily="34" charset="0"/>
               </a:rPr>
               <a:t>L1.</a:t>
             </a:r>
@@ -6620,15 +6631,15 @@
             <a:pPr lvl="1"/>
             <a:r>
               <a:rPr lang="en-US" sz="2000">
-                <a:latin typeface="Times New Roman" panose="02020603050405020304" pitchFamily="18" charset="0"/>
-                <a:cs typeface="Times New Roman" panose="02020603050405020304" pitchFamily="18" charset="0"/>
+                <a:latin typeface="Arial" panose="020B0604020202020204" pitchFamily="34" charset="0"/>
+                <a:cs typeface="Arial" panose="020B0604020202020204" pitchFamily="34" charset="0"/>
               </a:rPr>
               <a:t>256 kB bộ nhớ đệm </a:t>
             </a:r>
             <a:r>
               <a:rPr lang="en-US" sz="2000" smtClean="0">
-                <a:latin typeface="Times New Roman" panose="02020603050405020304" pitchFamily="18" charset="0"/>
-                <a:cs typeface="Times New Roman" panose="02020603050405020304" pitchFamily="18" charset="0"/>
+                <a:latin typeface="Arial" panose="020B0604020202020204" pitchFamily="34" charset="0"/>
+                <a:cs typeface="Arial" panose="020B0604020202020204" pitchFamily="34" charset="0"/>
               </a:rPr>
               <a:t>L2.</a:t>
             </a:r>
@@ -6637,15 +6648,15 @@
             <a:pPr lvl="1"/>
             <a:r>
               <a:rPr lang="en-US" sz="2000">
-                <a:latin typeface="Times New Roman" panose="02020603050405020304" pitchFamily="18" charset="0"/>
-                <a:cs typeface="Times New Roman" panose="02020603050405020304" pitchFamily="18" charset="0"/>
+                <a:latin typeface="Arial" panose="020B0604020202020204" pitchFamily="34" charset="0"/>
+                <a:cs typeface="Arial" panose="020B0604020202020204" pitchFamily="34" charset="0"/>
               </a:rPr>
               <a:t>Bộ nhớ đệm </a:t>
             </a:r>
             <a:r>
               <a:rPr lang="en-US" sz="2000" smtClean="0">
-                <a:latin typeface="Times New Roman" panose="02020603050405020304" pitchFamily="18" charset="0"/>
-                <a:cs typeface="Times New Roman" panose="02020603050405020304" pitchFamily="18" charset="0"/>
+                <a:latin typeface="Arial" panose="020B0604020202020204" pitchFamily="34" charset="0"/>
+                <a:cs typeface="Arial" panose="020B0604020202020204" pitchFamily="34" charset="0"/>
               </a:rPr>
               <a:t>L3: 8 – 30 MB</a:t>
             </a:r>
@@ -6653,29 +6664,29 @@
           <a:p>
             <a:r>
               <a:rPr lang="en-US" sz="2000">
-                <a:latin typeface="Times New Roman" panose="02020603050405020304" pitchFamily="18" charset="0"/>
-                <a:cs typeface="Times New Roman" panose="02020603050405020304" pitchFamily="18" charset="0"/>
+                <a:latin typeface="Arial" panose="020B0604020202020204" pitchFamily="34" charset="0"/>
+                <a:cs typeface="Arial" panose="020B0604020202020204" pitchFamily="34" charset="0"/>
               </a:rPr>
               <a:t>Đ</a:t>
             </a:r>
             <a:r>
               <a:rPr lang="en-US" sz="2000" smtClean="0">
-                <a:latin typeface="Times New Roman" panose="02020603050405020304" pitchFamily="18" charset="0"/>
-                <a:cs typeface="Times New Roman" panose="02020603050405020304" pitchFamily="18" charset="0"/>
+                <a:latin typeface="Arial" panose="020B0604020202020204" pitchFamily="34" charset="0"/>
+                <a:cs typeface="Arial" panose="020B0604020202020204" pitchFamily="34" charset="0"/>
               </a:rPr>
               <a:t>ọc </a:t>
             </a:r>
             <a:r>
               <a:rPr lang="en-US" sz="2000">
-                <a:latin typeface="Times New Roman" panose="02020603050405020304" pitchFamily="18" charset="0"/>
-                <a:cs typeface="Times New Roman" panose="02020603050405020304" pitchFamily="18" charset="0"/>
+                <a:latin typeface="Arial" panose="020B0604020202020204" pitchFamily="34" charset="0"/>
+                <a:cs typeface="Arial" panose="020B0604020202020204" pitchFamily="34" charset="0"/>
               </a:rPr>
               <a:t>1 số thực 32 </a:t>
             </a:r>
             <a:r>
               <a:rPr lang="en-US" sz="2000" smtClean="0">
-                <a:latin typeface="Times New Roman" panose="02020603050405020304" pitchFamily="18" charset="0"/>
-                <a:cs typeface="Times New Roman" panose="02020603050405020304" pitchFamily="18" charset="0"/>
+                <a:latin typeface="Arial" panose="020B0604020202020204" pitchFamily="34" charset="0"/>
+                <a:cs typeface="Arial" panose="020B0604020202020204" pitchFamily="34" charset="0"/>
               </a:rPr>
               <a:t>bit:.</a:t>
             </a:r>
@@ -6684,36 +6695,36 @@
             <a:pPr lvl="1"/>
             <a:r>
               <a:rPr lang="en-US" sz="2000" smtClean="0">
-                <a:latin typeface="Times New Roman" panose="02020603050405020304" pitchFamily="18" charset="0"/>
-                <a:cs typeface="Times New Roman" panose="02020603050405020304" pitchFamily="18" charset="0"/>
+                <a:latin typeface="Arial" panose="020B0604020202020204" pitchFamily="34" charset="0"/>
+                <a:cs typeface="Arial" panose="020B0604020202020204" pitchFamily="34" charset="0"/>
               </a:rPr>
               <a:t>Từ </a:t>
             </a:r>
             <a:r>
               <a:rPr lang="en-US" sz="2000">
-                <a:latin typeface="Times New Roman" panose="02020603050405020304" pitchFamily="18" charset="0"/>
-                <a:cs typeface="Times New Roman" panose="02020603050405020304" pitchFamily="18" charset="0"/>
+                <a:latin typeface="Arial" panose="020B0604020202020204" pitchFamily="34" charset="0"/>
+                <a:cs typeface="Arial" panose="020B0604020202020204" pitchFamily="34" charset="0"/>
               </a:rPr>
               <a:t>bộ nhớ đệm L1 </a:t>
             </a:r>
             <a:r>
               <a:rPr lang="en-US" sz="2000" smtClean="0">
-                <a:latin typeface="Times New Roman" panose="02020603050405020304" pitchFamily="18" charset="0"/>
-                <a:cs typeface="Times New Roman" panose="02020603050405020304" pitchFamily="18" charset="0"/>
+                <a:latin typeface="Arial" panose="020B0604020202020204" pitchFamily="34" charset="0"/>
+                <a:cs typeface="Arial" panose="020B0604020202020204" pitchFamily="34" charset="0"/>
               </a:rPr>
               <a:t>: </a:t>
             </a:r>
             <a:r>
               <a:rPr lang="en-US" sz="2000">
-                <a:latin typeface="Times New Roman" panose="02020603050405020304" pitchFamily="18" charset="0"/>
-                <a:cs typeface="Times New Roman" panose="02020603050405020304" pitchFamily="18" charset="0"/>
+                <a:latin typeface="Arial" panose="020B0604020202020204" pitchFamily="34" charset="0"/>
+                <a:cs typeface="Arial" panose="020B0604020202020204" pitchFamily="34" charset="0"/>
               </a:rPr>
               <a:t>4 chu kỳ (cycle</a:t>
             </a:r>
             <a:r>
               <a:rPr lang="en-US" sz="2000" smtClean="0">
-                <a:latin typeface="Times New Roman" panose="02020603050405020304" pitchFamily="18" charset="0"/>
-                <a:cs typeface="Times New Roman" panose="02020603050405020304" pitchFamily="18" charset="0"/>
+                <a:latin typeface="Arial" panose="020B0604020202020204" pitchFamily="34" charset="0"/>
+                <a:cs typeface="Arial" panose="020B0604020202020204" pitchFamily="34" charset="0"/>
               </a:rPr>
               <a:t>).</a:t>
             </a:r>
@@ -6722,105 +6733,105 @@
             <a:pPr lvl="1"/>
             <a:r>
               <a:rPr lang="en-US" sz="2000">
-                <a:latin typeface="Times New Roman" panose="02020603050405020304" pitchFamily="18" charset="0"/>
-                <a:cs typeface="Times New Roman" panose="02020603050405020304" pitchFamily="18" charset="0"/>
+                <a:latin typeface="Arial" panose="020B0604020202020204" pitchFamily="34" charset="0"/>
+                <a:cs typeface="Arial" panose="020B0604020202020204" pitchFamily="34" charset="0"/>
               </a:rPr>
               <a:t>Từ bộ nhớ đệm </a:t>
             </a:r>
             <a:r>
               <a:rPr lang="en-US" sz="2000" smtClean="0">
-                <a:latin typeface="Times New Roman" panose="02020603050405020304" pitchFamily="18" charset="0"/>
-                <a:cs typeface="Times New Roman" panose="02020603050405020304" pitchFamily="18" charset="0"/>
+                <a:latin typeface="Arial" panose="020B0604020202020204" pitchFamily="34" charset="0"/>
+                <a:cs typeface="Arial" panose="020B0604020202020204" pitchFamily="34" charset="0"/>
               </a:rPr>
               <a:t>L2 </a:t>
             </a:r>
             <a:r>
               <a:rPr lang="en-US" sz="2000">
-                <a:latin typeface="Times New Roman" panose="02020603050405020304" pitchFamily="18" charset="0"/>
-                <a:cs typeface="Times New Roman" panose="02020603050405020304" pitchFamily="18" charset="0"/>
+                <a:latin typeface="Arial" panose="020B0604020202020204" pitchFamily="34" charset="0"/>
+                <a:cs typeface="Arial" panose="020B0604020202020204" pitchFamily="34" charset="0"/>
               </a:rPr>
               <a:t>: </a:t>
             </a:r>
             <a:r>
               <a:rPr lang="en-US" sz="2000" smtClean="0">
-                <a:latin typeface="Times New Roman" panose="02020603050405020304" pitchFamily="18" charset="0"/>
-                <a:cs typeface="Times New Roman" panose="02020603050405020304" pitchFamily="18" charset="0"/>
+                <a:latin typeface="Arial" panose="020B0604020202020204" pitchFamily="34" charset="0"/>
+                <a:cs typeface="Arial" panose="020B0604020202020204" pitchFamily="34" charset="0"/>
               </a:rPr>
               <a:t>12 </a:t>
             </a:r>
             <a:r>
               <a:rPr lang="en-US" sz="2000">
-                <a:latin typeface="Times New Roman" panose="02020603050405020304" pitchFamily="18" charset="0"/>
-                <a:cs typeface="Times New Roman" panose="02020603050405020304" pitchFamily="18" charset="0"/>
+                <a:latin typeface="Arial" panose="020B0604020202020204" pitchFamily="34" charset="0"/>
+                <a:cs typeface="Arial" panose="020B0604020202020204" pitchFamily="34" charset="0"/>
               </a:rPr>
               <a:t>chu </a:t>
             </a:r>
             <a:r>
               <a:rPr lang="en-US" sz="2000" smtClean="0">
-                <a:latin typeface="Times New Roman" panose="02020603050405020304" pitchFamily="18" charset="0"/>
-                <a:cs typeface="Times New Roman" panose="02020603050405020304" pitchFamily="18" charset="0"/>
+                <a:latin typeface="Arial" panose="020B0604020202020204" pitchFamily="34" charset="0"/>
+                <a:cs typeface="Arial" panose="020B0604020202020204" pitchFamily="34" charset="0"/>
               </a:rPr>
               <a:t>kỳ.</a:t>
             </a:r>
             <a:endParaRPr lang="en-US" sz="2000">
-              <a:latin typeface="Times New Roman" panose="02020603050405020304" pitchFamily="18" charset="0"/>
-              <a:cs typeface="Times New Roman" panose="02020603050405020304" pitchFamily="18" charset="0"/>
+              <a:latin typeface="Arial" panose="020B0604020202020204" pitchFamily="34" charset="0"/>
+              <a:cs typeface="Arial" panose="020B0604020202020204" pitchFamily="34" charset="0"/>
             </a:endParaRPr>
           </a:p>
           <a:p>
             <a:pPr lvl="1"/>
             <a:r>
               <a:rPr lang="en-US" sz="2000">
-                <a:latin typeface="Times New Roman" panose="02020603050405020304" pitchFamily="18" charset="0"/>
-                <a:cs typeface="Times New Roman" panose="02020603050405020304" pitchFamily="18" charset="0"/>
+                <a:latin typeface="Arial" panose="020B0604020202020204" pitchFamily="34" charset="0"/>
+                <a:cs typeface="Arial" panose="020B0604020202020204" pitchFamily="34" charset="0"/>
               </a:rPr>
               <a:t>Từ bộ nhớ đệm </a:t>
             </a:r>
             <a:r>
               <a:rPr lang="en-US" sz="2000" smtClean="0">
-                <a:latin typeface="Times New Roman" panose="02020603050405020304" pitchFamily="18" charset="0"/>
-                <a:cs typeface="Times New Roman" panose="02020603050405020304" pitchFamily="18" charset="0"/>
+                <a:latin typeface="Arial" panose="020B0604020202020204" pitchFamily="34" charset="0"/>
+                <a:cs typeface="Arial" panose="020B0604020202020204" pitchFamily="34" charset="0"/>
               </a:rPr>
               <a:t>L3 </a:t>
             </a:r>
             <a:r>
               <a:rPr lang="en-US" sz="2000">
-                <a:latin typeface="Times New Roman" panose="02020603050405020304" pitchFamily="18" charset="0"/>
-                <a:cs typeface="Times New Roman" panose="02020603050405020304" pitchFamily="18" charset="0"/>
+                <a:latin typeface="Arial" panose="020B0604020202020204" pitchFamily="34" charset="0"/>
+                <a:cs typeface="Arial" panose="020B0604020202020204" pitchFamily="34" charset="0"/>
               </a:rPr>
               <a:t>: </a:t>
             </a:r>
             <a:r>
               <a:rPr lang="en-US" sz="2000" smtClean="0">
-                <a:latin typeface="Times New Roman" panose="02020603050405020304" pitchFamily="18" charset="0"/>
-                <a:cs typeface="Times New Roman" panose="02020603050405020304" pitchFamily="18" charset="0"/>
+                <a:latin typeface="Arial" panose="020B0604020202020204" pitchFamily="34" charset="0"/>
+                <a:cs typeface="Arial" panose="020B0604020202020204" pitchFamily="34" charset="0"/>
               </a:rPr>
               <a:t>26 </a:t>
             </a:r>
             <a:r>
               <a:rPr lang="en-US" sz="2000">
-                <a:latin typeface="Times New Roman" panose="02020603050405020304" pitchFamily="18" charset="0"/>
-                <a:cs typeface="Times New Roman" panose="02020603050405020304" pitchFamily="18" charset="0"/>
+                <a:latin typeface="Arial" panose="020B0604020202020204" pitchFamily="34" charset="0"/>
+                <a:cs typeface="Arial" panose="020B0604020202020204" pitchFamily="34" charset="0"/>
               </a:rPr>
               <a:t>chu </a:t>
             </a:r>
             <a:r>
               <a:rPr lang="en-US" sz="2000" smtClean="0">
-                <a:latin typeface="Times New Roman" panose="02020603050405020304" pitchFamily="18" charset="0"/>
-                <a:cs typeface="Times New Roman" panose="02020603050405020304" pitchFamily="18" charset="0"/>
+                <a:latin typeface="Arial" panose="020B0604020202020204" pitchFamily="34" charset="0"/>
+                <a:cs typeface="Arial" panose="020B0604020202020204" pitchFamily="34" charset="0"/>
               </a:rPr>
               <a:t>kỳ.</a:t>
             </a:r>
             <a:endParaRPr lang="en-US" sz="2000">
-              <a:latin typeface="Times New Roman" panose="02020603050405020304" pitchFamily="18" charset="0"/>
-              <a:cs typeface="Times New Roman" panose="02020603050405020304" pitchFamily="18" charset="0"/>
+              <a:latin typeface="Arial" panose="020B0604020202020204" pitchFamily="34" charset="0"/>
+              <a:cs typeface="Arial" panose="020B0604020202020204" pitchFamily="34" charset="0"/>
             </a:endParaRPr>
           </a:p>
           <a:p>
             <a:pPr lvl="1"/>
             <a:endParaRPr lang="en-US" sz="2000" smtClean="0">
-              <a:latin typeface="Times New Roman" panose="02020603050405020304" pitchFamily="18" charset="0"/>
-              <a:cs typeface="Times New Roman" panose="02020603050405020304" pitchFamily="18" charset="0"/>
+              <a:latin typeface="Arial" panose="020B0604020202020204" pitchFamily="34" charset="0"/>
+              <a:cs typeface="Arial" panose="020B0604020202020204" pitchFamily="34" charset="0"/>
             </a:endParaRPr>
           </a:p>
         </p:txBody>
@@ -7160,8 +7171,8 @@
           <a:p>
             <a:r>
               <a:rPr lang="en-US" sz="2200" smtClean="0">
-                <a:latin typeface="Times New Roman" panose="02020603050405020304" pitchFamily="18" charset="0"/>
-                <a:cs typeface="Times New Roman" panose="02020603050405020304" pitchFamily="18" charset="0"/>
+                <a:latin typeface="Arial" panose="020B0604020202020204" pitchFamily="34" charset="0"/>
+                <a:cs typeface="Arial" panose="020B0604020202020204" pitchFamily="34" charset="0"/>
               </a:rPr>
               <a:t>Rút ngắn thời gian truy cập bằng cách đổi vị trí k và j. Kết quả:</a:t>
             </a:r>
@@ -7170,8 +7181,8 @@
             <a:pPr lvl="1"/>
             <a:r>
               <a:rPr lang="en-US" sz="2000" smtClean="0">
-                <a:latin typeface="Times New Roman" panose="02020603050405020304" pitchFamily="18" charset="0"/>
-                <a:cs typeface="Times New Roman" panose="02020603050405020304" pitchFamily="18" charset="0"/>
+                <a:latin typeface="Arial" panose="020B0604020202020204" pitchFamily="34" charset="0"/>
+                <a:cs typeface="Arial" panose="020B0604020202020204" pitchFamily="34" charset="0"/>
               </a:rPr>
               <a:t>Tốc độ tăng 10 lần với máy cấu hình cao.</a:t>
             </a:r>
@@ -7180,42 +7191,42 @@
             <a:pPr lvl="1"/>
             <a:r>
               <a:rPr lang="en-US" sz="2000">
-                <a:latin typeface="Times New Roman" panose="02020603050405020304" pitchFamily="18" charset="0"/>
-                <a:cs typeface="Times New Roman" panose="02020603050405020304" pitchFamily="18" charset="0"/>
+                <a:latin typeface="Arial" panose="020B0604020202020204" pitchFamily="34" charset="0"/>
+                <a:cs typeface="Arial" panose="020B0604020202020204" pitchFamily="34" charset="0"/>
               </a:rPr>
               <a:t>Tốc độ </a:t>
             </a:r>
             <a:r>
               <a:rPr lang="en-US" sz="2000" smtClean="0">
-                <a:latin typeface="Times New Roman" panose="02020603050405020304" pitchFamily="18" charset="0"/>
-                <a:cs typeface="Times New Roman" panose="02020603050405020304" pitchFamily="18" charset="0"/>
+                <a:latin typeface="Arial" panose="020B0604020202020204" pitchFamily="34" charset="0"/>
+                <a:cs typeface="Arial" panose="020B0604020202020204" pitchFamily="34" charset="0"/>
               </a:rPr>
               <a:t>tăng 18 lần </a:t>
             </a:r>
             <a:r>
               <a:rPr lang="en-US" sz="2000">
-                <a:latin typeface="Times New Roman" panose="02020603050405020304" pitchFamily="18" charset="0"/>
-                <a:cs typeface="Times New Roman" panose="02020603050405020304" pitchFamily="18" charset="0"/>
+                <a:latin typeface="Arial" panose="020B0604020202020204" pitchFamily="34" charset="0"/>
+                <a:cs typeface="Arial" panose="020B0604020202020204" pitchFamily="34" charset="0"/>
               </a:rPr>
               <a:t>với máy cấu hình </a:t>
             </a:r>
             <a:r>
               <a:rPr lang="en-US" sz="2000" smtClean="0">
-                <a:latin typeface="Times New Roman" panose="02020603050405020304" pitchFamily="18" charset="0"/>
-                <a:cs typeface="Times New Roman" panose="02020603050405020304" pitchFamily="18" charset="0"/>
+                <a:latin typeface="Arial" panose="020B0604020202020204" pitchFamily="34" charset="0"/>
+                <a:cs typeface="Arial" panose="020B0604020202020204" pitchFamily="34" charset="0"/>
               </a:rPr>
               <a:t>thấp.</a:t>
             </a:r>
             <a:endParaRPr lang="en-US" sz="2000">
-              <a:latin typeface="Times New Roman" panose="02020603050405020304" pitchFamily="18" charset="0"/>
-              <a:cs typeface="Times New Roman" panose="02020603050405020304" pitchFamily="18" charset="0"/>
+              <a:latin typeface="Arial" panose="020B0604020202020204" pitchFamily="34" charset="0"/>
+              <a:cs typeface="Arial" panose="020B0604020202020204" pitchFamily="34" charset="0"/>
             </a:endParaRPr>
           </a:p>
           <a:p>
             <a:pPr lvl="1"/>
             <a:endParaRPr lang="en-US" sz="2000" smtClean="0">
-              <a:latin typeface="Times New Roman" panose="02020603050405020304" pitchFamily="18" charset="0"/>
-              <a:cs typeface="Times New Roman" panose="02020603050405020304" pitchFamily="18" charset="0"/>
+              <a:latin typeface="Arial" panose="020B0604020202020204" pitchFamily="34" charset="0"/>
+              <a:cs typeface="Arial" panose="020B0604020202020204" pitchFamily="34" charset="0"/>
             </a:endParaRPr>
           </a:p>
         </p:txBody>
@@ -7299,15 +7310,15 @@
           <a:p>
             <a:r>
               <a:rPr lang="en-US">
-                <a:latin typeface="Times New Roman" panose="02020603050405020304" pitchFamily="18" charset="0"/>
-                <a:cs typeface="Times New Roman" panose="02020603050405020304" pitchFamily="18" charset="0"/>
+                <a:latin typeface="Arial" panose="020B0604020202020204" pitchFamily="34" charset="0"/>
+                <a:cs typeface="Arial" panose="020B0604020202020204" pitchFamily="34" charset="0"/>
               </a:rPr>
               <a:t>Giả sử chúng ta có 2 mảng, mỗi mảng có 4 triệu phần tử số thực. Tạo mảng thứ 3 bằng cách cộng lần lượt từng phần tử từ 2 mảng trên (c[i] = a[i] + b[i]; i = 0..3,999,999</a:t>
             </a:r>
             <a:r>
               <a:rPr lang="en-US" smtClean="0">
-                <a:latin typeface="Times New Roman" panose="02020603050405020304" pitchFamily="18" charset="0"/>
-                <a:cs typeface="Times New Roman" panose="02020603050405020304" pitchFamily="18" charset="0"/>
+                <a:latin typeface="Arial" panose="020B0604020202020204" pitchFamily="34" charset="0"/>
+                <a:cs typeface="Arial" panose="020B0604020202020204" pitchFamily="34" charset="0"/>
               </a:rPr>
               <a:t>).</a:t>
             </a:r>
@@ -7316,8 +7327,8 @@
             <a:pPr lvl="1"/>
             <a:r>
               <a:rPr lang="en-US" sz="1800" smtClean="0">
-                <a:latin typeface="Times New Roman" panose="02020603050405020304" pitchFamily="18" charset="0"/>
-                <a:cs typeface="Times New Roman" panose="02020603050405020304" pitchFamily="18" charset="0"/>
+                <a:latin typeface="Arial" panose="020B0604020202020204" pitchFamily="34" charset="0"/>
+                <a:cs typeface="Arial" panose="020B0604020202020204" pitchFamily="34" charset="0"/>
               </a:rPr>
               <a:t>Tổng dung lượng 3 mảng là 48 MB.</a:t>
             </a:r>
@@ -7325,22 +7336,22 @@
           <a:p>
             <a:r>
               <a:rPr lang="en-US" smtClean="0">
-                <a:latin typeface="Times New Roman" panose="02020603050405020304" pitchFamily="18" charset="0"/>
-                <a:cs typeface="Times New Roman" panose="02020603050405020304" pitchFamily="18" charset="0"/>
+                <a:latin typeface="Arial" panose="020B0604020202020204" pitchFamily="34" charset="0"/>
+                <a:cs typeface="Arial" panose="020B0604020202020204" pitchFamily="34" charset="0"/>
               </a:rPr>
               <a:t>Với 1 CPU có 5 nhân với L3 cache = 30 MB: Tốc độ tăng 1.6 lần (</a:t>
             </a:r>
             <a:r>
               <a:rPr lang="en-US">
-                <a:latin typeface="Times New Roman" panose="02020603050405020304" pitchFamily="18" charset="0"/>
-                <a:cs typeface="Times New Roman" panose="02020603050405020304" pitchFamily="18" charset="0"/>
+                <a:latin typeface="Arial" panose="020B0604020202020204" pitchFamily="34" charset="0"/>
+                <a:cs typeface="Arial" panose="020B0604020202020204" pitchFamily="34" charset="0"/>
               </a:rPr>
               <a:t>32% lý </a:t>
             </a:r>
             <a:r>
               <a:rPr lang="en-US" smtClean="0">
-                <a:latin typeface="Times New Roman" panose="02020603050405020304" pitchFamily="18" charset="0"/>
-                <a:cs typeface="Times New Roman" panose="02020603050405020304" pitchFamily="18" charset="0"/>
+                <a:latin typeface="Arial" panose="020B0604020202020204" pitchFamily="34" charset="0"/>
+                <a:cs typeface="Arial" panose="020B0604020202020204" pitchFamily="34" charset="0"/>
               </a:rPr>
               <a:t>thuyết).</a:t>
             </a:r>
@@ -7348,57 +7359,57 @@
           <a:p>
             <a:r>
               <a:rPr lang="en-US">
-                <a:latin typeface="Times New Roman" panose="02020603050405020304" pitchFamily="18" charset="0"/>
-                <a:cs typeface="Times New Roman" panose="02020603050405020304" pitchFamily="18" charset="0"/>
+                <a:latin typeface="Arial" panose="020B0604020202020204" pitchFamily="34" charset="0"/>
+                <a:cs typeface="Arial" panose="020B0604020202020204" pitchFamily="34" charset="0"/>
               </a:rPr>
               <a:t>Với 1 CPU có </a:t>
             </a:r>
             <a:r>
               <a:rPr lang="en-US" smtClean="0">
-                <a:latin typeface="Times New Roman" panose="02020603050405020304" pitchFamily="18" charset="0"/>
-                <a:cs typeface="Times New Roman" panose="02020603050405020304" pitchFamily="18" charset="0"/>
+                <a:latin typeface="Arial" panose="020B0604020202020204" pitchFamily="34" charset="0"/>
+                <a:cs typeface="Arial" panose="020B0604020202020204" pitchFamily="34" charset="0"/>
               </a:rPr>
               <a:t>10 </a:t>
             </a:r>
             <a:r>
               <a:rPr lang="en-US">
-                <a:latin typeface="Times New Roman" panose="02020603050405020304" pitchFamily="18" charset="0"/>
-                <a:cs typeface="Times New Roman" panose="02020603050405020304" pitchFamily="18" charset="0"/>
+                <a:latin typeface="Arial" panose="020B0604020202020204" pitchFamily="34" charset="0"/>
+                <a:cs typeface="Arial" panose="020B0604020202020204" pitchFamily="34" charset="0"/>
               </a:rPr>
               <a:t>nhân với L3 cache = 30 MB: Tốc độ tăng </a:t>
             </a:r>
             <a:r>
               <a:rPr lang="en-US" smtClean="0">
-                <a:latin typeface="Times New Roman" panose="02020603050405020304" pitchFamily="18" charset="0"/>
-                <a:cs typeface="Times New Roman" panose="02020603050405020304" pitchFamily="18" charset="0"/>
+                <a:latin typeface="Arial" panose="020B0604020202020204" pitchFamily="34" charset="0"/>
+                <a:cs typeface="Arial" panose="020B0604020202020204" pitchFamily="34" charset="0"/>
               </a:rPr>
               <a:t>2.4 </a:t>
             </a:r>
             <a:r>
               <a:rPr lang="en-US">
-                <a:latin typeface="Times New Roman" panose="02020603050405020304" pitchFamily="18" charset="0"/>
-                <a:cs typeface="Times New Roman" panose="02020603050405020304" pitchFamily="18" charset="0"/>
+                <a:latin typeface="Arial" panose="020B0604020202020204" pitchFamily="34" charset="0"/>
+                <a:cs typeface="Arial" panose="020B0604020202020204" pitchFamily="34" charset="0"/>
               </a:rPr>
               <a:t>lần </a:t>
             </a:r>
             <a:r>
               <a:rPr lang="en-US" smtClean="0">
-                <a:latin typeface="Times New Roman" panose="02020603050405020304" pitchFamily="18" charset="0"/>
-                <a:cs typeface="Times New Roman" panose="02020603050405020304" pitchFamily="18" charset="0"/>
+                <a:latin typeface="Arial" panose="020B0604020202020204" pitchFamily="34" charset="0"/>
+                <a:cs typeface="Arial" panose="020B0604020202020204" pitchFamily="34" charset="0"/>
               </a:rPr>
               <a:t>(24% </a:t>
             </a:r>
             <a:r>
               <a:rPr lang="en-US">
-                <a:latin typeface="Times New Roman" panose="02020603050405020304" pitchFamily="18" charset="0"/>
-                <a:cs typeface="Times New Roman" panose="02020603050405020304" pitchFamily="18" charset="0"/>
+                <a:latin typeface="Arial" panose="020B0604020202020204" pitchFamily="34" charset="0"/>
+                <a:cs typeface="Arial" panose="020B0604020202020204" pitchFamily="34" charset="0"/>
               </a:rPr>
               <a:t>lý thuyết</a:t>
             </a:r>
             <a:r>
               <a:rPr lang="en-US" smtClean="0">
-                <a:latin typeface="Times New Roman" panose="02020603050405020304" pitchFamily="18" charset="0"/>
-                <a:cs typeface="Times New Roman" panose="02020603050405020304" pitchFamily="18" charset="0"/>
+                <a:latin typeface="Arial" panose="020B0604020202020204" pitchFamily="34" charset="0"/>
+                <a:cs typeface="Arial" panose="020B0604020202020204" pitchFamily="34" charset="0"/>
               </a:rPr>
               <a:t>).</a:t>
             </a:r>
@@ -7406,119 +7417,119 @@
           <a:p>
             <a:r>
               <a:rPr lang="en-US">
-                <a:latin typeface="Times New Roman" panose="02020603050405020304" pitchFamily="18" charset="0"/>
-                <a:cs typeface="Times New Roman" panose="02020603050405020304" pitchFamily="18" charset="0"/>
+                <a:latin typeface="Arial" panose="020B0604020202020204" pitchFamily="34" charset="0"/>
+                <a:cs typeface="Arial" panose="020B0604020202020204" pitchFamily="34" charset="0"/>
               </a:rPr>
               <a:t>Với </a:t>
             </a:r>
             <a:r>
               <a:rPr lang="en-US" smtClean="0">
-                <a:latin typeface="Times New Roman" panose="02020603050405020304" pitchFamily="18" charset="0"/>
-                <a:cs typeface="Times New Roman" panose="02020603050405020304" pitchFamily="18" charset="0"/>
+                <a:latin typeface="Arial" panose="020B0604020202020204" pitchFamily="34" charset="0"/>
+                <a:cs typeface="Arial" panose="020B0604020202020204" pitchFamily="34" charset="0"/>
               </a:rPr>
               <a:t>2 </a:t>
             </a:r>
             <a:r>
               <a:rPr lang="en-US">
-                <a:latin typeface="Times New Roman" panose="02020603050405020304" pitchFamily="18" charset="0"/>
-                <a:cs typeface="Times New Roman" panose="02020603050405020304" pitchFamily="18" charset="0"/>
+                <a:latin typeface="Arial" panose="020B0604020202020204" pitchFamily="34" charset="0"/>
+                <a:cs typeface="Arial" panose="020B0604020202020204" pitchFamily="34" charset="0"/>
               </a:rPr>
               <a:t>CPU có </a:t>
             </a:r>
             <a:r>
               <a:rPr lang="en-US" smtClean="0">
-                <a:latin typeface="Times New Roman" panose="02020603050405020304" pitchFamily="18" charset="0"/>
-                <a:cs typeface="Times New Roman" panose="02020603050405020304" pitchFamily="18" charset="0"/>
+                <a:latin typeface="Arial" panose="020B0604020202020204" pitchFamily="34" charset="0"/>
+                <a:cs typeface="Arial" panose="020B0604020202020204" pitchFamily="34" charset="0"/>
               </a:rPr>
               <a:t>20 </a:t>
             </a:r>
             <a:r>
               <a:rPr lang="en-US">
-                <a:latin typeface="Times New Roman" panose="02020603050405020304" pitchFamily="18" charset="0"/>
-                <a:cs typeface="Times New Roman" panose="02020603050405020304" pitchFamily="18" charset="0"/>
+                <a:latin typeface="Arial" panose="020B0604020202020204" pitchFamily="34" charset="0"/>
+                <a:cs typeface="Arial" panose="020B0604020202020204" pitchFamily="34" charset="0"/>
               </a:rPr>
               <a:t>nhân với L3 cache = </a:t>
             </a:r>
             <a:r>
               <a:rPr lang="en-US" smtClean="0">
-                <a:latin typeface="Times New Roman" panose="02020603050405020304" pitchFamily="18" charset="0"/>
-                <a:cs typeface="Times New Roman" panose="02020603050405020304" pitchFamily="18" charset="0"/>
+                <a:latin typeface="Arial" panose="020B0604020202020204" pitchFamily="34" charset="0"/>
+                <a:cs typeface="Arial" panose="020B0604020202020204" pitchFamily="34" charset="0"/>
               </a:rPr>
               <a:t>60 </a:t>
             </a:r>
             <a:r>
               <a:rPr lang="en-US">
-                <a:latin typeface="Times New Roman" panose="02020603050405020304" pitchFamily="18" charset="0"/>
-                <a:cs typeface="Times New Roman" panose="02020603050405020304" pitchFamily="18" charset="0"/>
+                <a:latin typeface="Arial" panose="020B0604020202020204" pitchFamily="34" charset="0"/>
+                <a:cs typeface="Arial" panose="020B0604020202020204" pitchFamily="34" charset="0"/>
               </a:rPr>
               <a:t>MB: Tốc độ tăng </a:t>
             </a:r>
             <a:r>
               <a:rPr lang="en-US" smtClean="0">
-                <a:latin typeface="Times New Roman" panose="02020603050405020304" pitchFamily="18" charset="0"/>
-                <a:cs typeface="Times New Roman" panose="02020603050405020304" pitchFamily="18" charset="0"/>
+                <a:latin typeface="Arial" panose="020B0604020202020204" pitchFamily="34" charset="0"/>
+                <a:cs typeface="Arial" panose="020B0604020202020204" pitchFamily="34" charset="0"/>
               </a:rPr>
               <a:t>1</a:t>
             </a:r>
             <a:r>
               <a:rPr lang="en-US">
-                <a:latin typeface="Times New Roman" panose="02020603050405020304" pitchFamily="18" charset="0"/>
-                <a:cs typeface="Times New Roman" panose="02020603050405020304" pitchFamily="18" charset="0"/>
+                <a:latin typeface="Arial" panose="020B0604020202020204" pitchFamily="34" charset="0"/>
+                <a:cs typeface="Arial" panose="020B0604020202020204" pitchFamily="34" charset="0"/>
               </a:rPr>
               <a:t>8</a:t>
             </a:r>
             <a:r>
               <a:rPr lang="en-US" smtClean="0">
-                <a:latin typeface="Times New Roman" panose="02020603050405020304" pitchFamily="18" charset="0"/>
-                <a:cs typeface="Times New Roman" panose="02020603050405020304" pitchFamily="18" charset="0"/>
+                <a:latin typeface="Arial" panose="020B0604020202020204" pitchFamily="34" charset="0"/>
+                <a:cs typeface="Arial" panose="020B0604020202020204" pitchFamily="34" charset="0"/>
               </a:rPr>
               <a:t> </a:t>
             </a:r>
             <a:r>
               <a:rPr lang="en-US">
-                <a:latin typeface="Times New Roman" panose="02020603050405020304" pitchFamily="18" charset="0"/>
-                <a:cs typeface="Times New Roman" panose="02020603050405020304" pitchFamily="18" charset="0"/>
+                <a:latin typeface="Arial" panose="020B0604020202020204" pitchFamily="34" charset="0"/>
+                <a:cs typeface="Arial" panose="020B0604020202020204" pitchFamily="34" charset="0"/>
               </a:rPr>
               <a:t>lần </a:t>
             </a:r>
             <a:r>
               <a:rPr lang="en-US" smtClean="0">
-                <a:latin typeface="Times New Roman" panose="02020603050405020304" pitchFamily="18" charset="0"/>
-                <a:cs typeface="Times New Roman" panose="02020603050405020304" pitchFamily="18" charset="0"/>
+                <a:latin typeface="Arial" panose="020B0604020202020204" pitchFamily="34" charset="0"/>
+                <a:cs typeface="Arial" panose="020B0604020202020204" pitchFamily="34" charset="0"/>
               </a:rPr>
               <a:t>(90% </a:t>
             </a:r>
             <a:r>
               <a:rPr lang="en-US">
-                <a:latin typeface="Times New Roman" panose="02020603050405020304" pitchFamily="18" charset="0"/>
-                <a:cs typeface="Times New Roman" panose="02020603050405020304" pitchFamily="18" charset="0"/>
+                <a:latin typeface="Arial" panose="020B0604020202020204" pitchFamily="34" charset="0"/>
+                <a:cs typeface="Arial" panose="020B0604020202020204" pitchFamily="34" charset="0"/>
               </a:rPr>
               <a:t>lý thuyết</a:t>
             </a:r>
             <a:r>
               <a:rPr lang="en-US" smtClean="0">
-                <a:latin typeface="Times New Roman" panose="02020603050405020304" pitchFamily="18" charset="0"/>
-                <a:cs typeface="Times New Roman" panose="02020603050405020304" pitchFamily="18" charset="0"/>
+                <a:latin typeface="Arial" panose="020B0604020202020204" pitchFamily="34" charset="0"/>
+                <a:cs typeface="Arial" panose="020B0604020202020204" pitchFamily="34" charset="0"/>
               </a:rPr>
               <a:t>).</a:t>
             </a:r>
           </a:p>
           <a:p>
             <a:endParaRPr lang="en-US">
-              <a:latin typeface="Times New Roman" panose="02020603050405020304" pitchFamily="18" charset="0"/>
-              <a:cs typeface="Times New Roman" panose="02020603050405020304" pitchFamily="18" charset="0"/>
+              <a:latin typeface="Arial" panose="020B0604020202020204" pitchFamily="34" charset="0"/>
+              <a:cs typeface="Arial" panose="020B0604020202020204" pitchFamily="34" charset="0"/>
             </a:endParaRPr>
           </a:p>
           <a:p>
             <a:endParaRPr lang="en-US">
-              <a:latin typeface="Times New Roman" panose="02020603050405020304" pitchFamily="18" charset="0"/>
-              <a:cs typeface="Times New Roman" panose="02020603050405020304" pitchFamily="18" charset="0"/>
+              <a:latin typeface="Arial" panose="020B0604020202020204" pitchFamily="34" charset="0"/>
+              <a:cs typeface="Arial" panose="020B0604020202020204" pitchFamily="34" charset="0"/>
             </a:endParaRPr>
           </a:p>
           <a:p>
             <a:endParaRPr lang="en-US" smtClean="0">
-              <a:latin typeface="Times New Roman" panose="02020603050405020304" pitchFamily="18" charset="0"/>
-              <a:cs typeface="Times New Roman" panose="02020603050405020304" pitchFamily="18" charset="0"/>
+              <a:latin typeface="Arial" panose="020B0604020202020204" pitchFamily="34" charset="0"/>
+              <a:cs typeface="Arial" panose="020B0604020202020204" pitchFamily="34" charset="0"/>
             </a:endParaRPr>
           </a:p>
         </p:txBody>
@@ -7590,8 +7601,8 @@
                 <a:solidFill>
                   <a:srgbClr val="FF0000"/>
                 </a:solidFill>
-                <a:latin typeface="Times New Roman" panose="02020603050405020304" pitchFamily="18" charset="0"/>
-                <a:cs typeface="Times New Roman" panose="02020603050405020304" pitchFamily="18" charset="0"/>
+                <a:latin typeface="Arial" panose="020B0604020202020204" pitchFamily="34" charset="0"/>
+                <a:cs typeface="Arial" panose="020B0604020202020204" pitchFamily="34" charset="0"/>
               </a:rPr>
               <a:t>Tầm </a:t>
             </a:r>
@@ -7600,8 +7611,8 @@
                 <a:solidFill>
                   <a:srgbClr val="FF0000"/>
                 </a:solidFill>
-                <a:latin typeface="Times New Roman" panose="02020603050405020304" pitchFamily="18" charset="0"/>
-                <a:cs typeface="Times New Roman" panose="02020603050405020304" pitchFamily="18" charset="0"/>
+                <a:latin typeface="Arial" panose="020B0604020202020204" pitchFamily="34" charset="0"/>
+                <a:cs typeface="Arial" panose="020B0604020202020204" pitchFamily="34" charset="0"/>
               </a:rPr>
               <a:t>quan trọng của bộ nhớ đệm.</a:t>
             </a:r>
@@ -7943,15 +7954,15 @@
           <a:p>
             <a:r>
               <a:rPr lang="en-US" sz="2000">
-                <a:latin typeface="Times New Roman" panose="02020603050405020304" pitchFamily="18" charset="0"/>
-                <a:cs typeface="Times New Roman" panose="02020603050405020304" pitchFamily="18" charset="0"/>
+                <a:latin typeface="Arial" panose="020B0604020202020204" pitchFamily="34" charset="0"/>
+                <a:cs typeface="Arial" panose="020B0604020202020204" pitchFamily="34" charset="0"/>
               </a:rPr>
               <a:t>4096 hạt vật lý tương tác với </a:t>
             </a:r>
             <a:r>
               <a:rPr lang="en-US" sz="2000" smtClean="0">
-                <a:latin typeface="Times New Roman" panose="02020603050405020304" pitchFamily="18" charset="0"/>
-                <a:cs typeface="Times New Roman" panose="02020603050405020304" pitchFamily="18" charset="0"/>
+                <a:latin typeface="Arial" panose="020B0604020202020204" pitchFamily="34" charset="0"/>
+                <a:cs typeface="Arial" panose="020B0604020202020204" pitchFamily="34" charset="0"/>
               </a:rPr>
               <a:t>nhau:</a:t>
             </a:r>
@@ -7960,22 +7971,22 @@
             <a:pPr lvl="1"/>
             <a:r>
               <a:rPr lang="en-US" smtClean="0">
-                <a:latin typeface="Times New Roman" panose="02020603050405020304" pitchFamily="18" charset="0"/>
-                <a:cs typeface="Times New Roman" panose="02020603050405020304" pitchFamily="18" charset="0"/>
+                <a:latin typeface="Arial" panose="020B0604020202020204" pitchFamily="34" charset="0"/>
+                <a:cs typeface="Arial" panose="020B0604020202020204" pitchFamily="34" charset="0"/>
               </a:rPr>
               <a:t>Sử dụng 1 vòng lặp thường: </a:t>
             </a:r>
             <a:r>
               <a:rPr lang="en-US">
-                <a:latin typeface="Times New Roman" panose="02020603050405020304" pitchFamily="18" charset="0"/>
-                <a:cs typeface="Times New Roman" panose="02020603050405020304" pitchFamily="18" charset="0"/>
+                <a:latin typeface="Arial" panose="020B0604020202020204" pitchFamily="34" charset="0"/>
+                <a:cs typeface="Arial" panose="020B0604020202020204" pitchFamily="34" charset="0"/>
               </a:rPr>
               <a:t>8 khung hình mỗi </a:t>
             </a:r>
             <a:r>
               <a:rPr lang="en-US" smtClean="0">
-                <a:latin typeface="Times New Roman" panose="02020603050405020304" pitchFamily="18" charset="0"/>
-                <a:cs typeface="Times New Roman" panose="02020603050405020304" pitchFamily="18" charset="0"/>
+                <a:latin typeface="Arial" panose="020B0604020202020204" pitchFamily="34" charset="0"/>
+                <a:cs typeface="Arial" panose="020B0604020202020204" pitchFamily="34" charset="0"/>
               </a:rPr>
               <a:t>giây.</a:t>
             </a:r>
@@ -7984,43 +7995,43 @@
             <a:pPr lvl="1"/>
             <a:r>
               <a:rPr lang="en-US">
-                <a:latin typeface="Times New Roman" panose="02020603050405020304" pitchFamily="18" charset="0"/>
-                <a:cs typeface="Times New Roman" panose="02020603050405020304" pitchFamily="18" charset="0"/>
+                <a:latin typeface="Arial" panose="020B0604020202020204" pitchFamily="34" charset="0"/>
+                <a:cs typeface="Arial" panose="020B0604020202020204" pitchFamily="34" charset="0"/>
               </a:rPr>
               <a:t>S</a:t>
             </a:r>
             <a:r>
               <a:rPr lang="en-US" smtClean="0">
-                <a:latin typeface="Times New Roman" panose="02020603050405020304" pitchFamily="18" charset="0"/>
-                <a:cs typeface="Times New Roman" panose="02020603050405020304" pitchFamily="18" charset="0"/>
+                <a:latin typeface="Arial" panose="020B0604020202020204" pitchFamily="34" charset="0"/>
+                <a:cs typeface="Arial" panose="020B0604020202020204" pitchFamily="34" charset="0"/>
               </a:rPr>
               <a:t>ử </a:t>
             </a:r>
             <a:r>
               <a:rPr lang="en-US">
-                <a:latin typeface="Times New Roman" panose="02020603050405020304" pitchFamily="18" charset="0"/>
-                <a:cs typeface="Times New Roman" panose="02020603050405020304" pitchFamily="18" charset="0"/>
+                <a:latin typeface="Arial" panose="020B0604020202020204" pitchFamily="34" charset="0"/>
+                <a:cs typeface="Arial" panose="020B0604020202020204" pitchFamily="34" charset="0"/>
               </a:rPr>
               <a:t>dụng vector trong C++ và tập lệnh SSE2 </a:t>
             </a:r>
             <a:r>
               <a:rPr lang="en-US" smtClean="0">
-                <a:latin typeface="Times New Roman" panose="02020603050405020304" pitchFamily="18" charset="0"/>
-                <a:cs typeface="Times New Roman" panose="02020603050405020304" pitchFamily="18" charset="0"/>
+                <a:latin typeface="Arial" panose="020B0604020202020204" pitchFamily="34" charset="0"/>
+                <a:cs typeface="Arial" panose="020B0604020202020204" pitchFamily="34" charset="0"/>
               </a:rPr>
               <a:t>128-bit: </a:t>
             </a:r>
             <a:r>
               <a:rPr lang="en-US">
-                <a:latin typeface="Times New Roman" panose="02020603050405020304" pitchFamily="18" charset="0"/>
-                <a:cs typeface="Times New Roman" panose="02020603050405020304" pitchFamily="18" charset="0"/>
+                <a:latin typeface="Arial" panose="020B0604020202020204" pitchFamily="34" charset="0"/>
+                <a:cs typeface="Arial" panose="020B0604020202020204" pitchFamily="34" charset="0"/>
               </a:rPr>
               <a:t>18 khung hình mỗi </a:t>
             </a:r>
             <a:r>
               <a:rPr lang="en-US" smtClean="0">
-                <a:latin typeface="Times New Roman" panose="02020603050405020304" pitchFamily="18" charset="0"/>
-                <a:cs typeface="Times New Roman" panose="02020603050405020304" pitchFamily="18" charset="0"/>
+                <a:latin typeface="Arial" panose="020B0604020202020204" pitchFamily="34" charset="0"/>
+                <a:cs typeface="Arial" panose="020B0604020202020204" pitchFamily="34" charset="0"/>
               </a:rPr>
               <a:t>giây.</a:t>
             </a:r>
@@ -8029,36 +8040,42 @@
             <a:pPr lvl="1"/>
             <a:r>
               <a:rPr lang="en-US" smtClean="0">
-                <a:latin typeface="Times New Roman" panose="02020603050405020304" pitchFamily="18" charset="0"/>
-                <a:cs typeface="Times New Roman" panose="02020603050405020304" pitchFamily="18" charset="0"/>
+                <a:latin typeface="Arial" panose="020B0604020202020204" pitchFamily="34" charset="0"/>
+                <a:cs typeface="Arial" panose="020B0604020202020204" pitchFamily="34" charset="0"/>
               </a:rPr>
               <a:t>Sử dụng </a:t>
             </a:r>
             <a:r>
-              <a:rPr lang="en-US"/>
+              <a:rPr lang="en-US">
+                <a:latin typeface="Arial" panose="020B0604020202020204" pitchFamily="34" charset="0"/>
+                <a:cs typeface="Arial" panose="020B0604020202020204" pitchFamily="34" charset="0"/>
+              </a:rPr>
               <a:t>tập lệnh AVK </a:t>
             </a:r>
             <a:r>
-              <a:rPr lang="en-US" smtClean="0"/>
+              <a:rPr lang="en-US" smtClean="0">
+                <a:latin typeface="Arial" panose="020B0604020202020204" pitchFamily="34" charset="0"/>
+                <a:cs typeface="Arial" panose="020B0604020202020204" pitchFamily="34" charset="0"/>
+              </a:rPr>
               <a:t>256-bit: 23</a:t>
             </a:r>
             <a:r>
               <a:rPr lang="en-US">
-                <a:latin typeface="Times New Roman" panose="02020603050405020304" pitchFamily="18" charset="0"/>
-                <a:cs typeface="Times New Roman" panose="02020603050405020304" pitchFamily="18" charset="0"/>
+                <a:latin typeface="Arial" panose="020B0604020202020204" pitchFamily="34" charset="0"/>
+                <a:cs typeface="Arial" panose="020B0604020202020204" pitchFamily="34" charset="0"/>
               </a:rPr>
               <a:t> khung hình mỗi giây.</a:t>
             </a:r>
             <a:endParaRPr lang="en-US" smtClean="0">
-              <a:latin typeface="Times New Roman" panose="02020603050405020304" pitchFamily="18" charset="0"/>
-              <a:cs typeface="Times New Roman" panose="02020603050405020304" pitchFamily="18" charset="0"/>
+              <a:latin typeface="Arial" panose="020B0604020202020204" pitchFamily="34" charset="0"/>
+              <a:cs typeface="Arial" panose="020B0604020202020204" pitchFamily="34" charset="0"/>
             </a:endParaRPr>
           </a:p>
           <a:p>
             <a:pPr lvl="1"/>
             <a:endParaRPr lang="en-US" sz="2000" smtClean="0">
-              <a:latin typeface="Times New Roman" panose="02020603050405020304" pitchFamily="18" charset="0"/>
-              <a:cs typeface="Times New Roman" panose="02020603050405020304" pitchFamily="18" charset="0"/>
+              <a:latin typeface="Arial" panose="020B0604020202020204" pitchFamily="34" charset="0"/>
+              <a:cs typeface="Arial" panose="020B0604020202020204" pitchFamily="34" charset="0"/>
             </a:endParaRPr>
           </a:p>
         </p:txBody>
@@ -8373,38 +8390,46 @@
           </a:lstStyle>
           <a:p>
             <a:r>
-              <a:rPr lang="en-US" sz="2000" smtClean="0">
-                <a:latin typeface="Times New Roman" panose="02020603050405020304" pitchFamily="18" charset="0"/>
-                <a:cs typeface="Times New Roman" panose="02020603050405020304" pitchFamily="18" charset="0"/>
+              <a:rPr lang="en-US" smtClean="0">
+                <a:latin typeface="Arial" panose="020B0604020202020204" pitchFamily="34" charset="0"/>
+                <a:cs typeface="Arial" panose="020B0604020202020204" pitchFamily="34" charset="0"/>
               </a:rPr>
               <a:t>Sử dụng 3 mảng tạm và </a:t>
             </a:r>
             <a:r>
-              <a:rPr lang="en-US"/>
+              <a:rPr lang="en-US">
+                <a:latin typeface="Arial" panose="020B0604020202020204" pitchFamily="34" charset="0"/>
+                <a:cs typeface="Arial" panose="020B0604020202020204" pitchFamily="34" charset="0"/>
+              </a:rPr>
               <a:t>tập lệnh AVK </a:t>
             </a:r>
             <a:r>
-              <a:rPr lang="en-US" smtClean="0"/>
+              <a:rPr lang="en-US" smtClean="0">
+                <a:latin typeface="Arial" panose="020B0604020202020204" pitchFamily="34" charset="0"/>
+                <a:cs typeface="Arial" panose="020B0604020202020204" pitchFamily="34" charset="0"/>
+              </a:rPr>
               <a:t>256-bit: </a:t>
             </a:r>
             <a:r>
-              <a:rPr lang="en-US"/>
+              <a:rPr lang="en-US">
+                <a:latin typeface="Arial" panose="020B0604020202020204" pitchFamily="34" charset="0"/>
+                <a:cs typeface="Arial" panose="020B0604020202020204" pitchFamily="34" charset="0"/>
+              </a:rPr>
               <a:t>42 khung hình mỗi giây</a:t>
             </a:r>
             <a:r>
-              <a:rPr lang="en-US" smtClean="0"/>
+              <a:rPr lang="en-US" smtClean="0">
+                <a:latin typeface="Arial" panose="020B0604020202020204" pitchFamily="34" charset="0"/>
+                <a:cs typeface="Arial" panose="020B0604020202020204" pitchFamily="34" charset="0"/>
+              </a:rPr>
               <a:t>.</a:t>
             </a:r>
-            <a:endParaRPr lang="en-US" smtClean="0">
-              <a:latin typeface="Times New Roman" panose="02020603050405020304" pitchFamily="18" charset="0"/>
-              <a:cs typeface="Times New Roman" panose="02020603050405020304" pitchFamily="18" charset="0"/>
-            </a:endParaRPr>
           </a:p>
           <a:p>
             <a:pPr lvl="1"/>
-            <a:endParaRPr lang="en-US" sz="2000" smtClean="0">
-              <a:latin typeface="Times New Roman" panose="02020603050405020304" pitchFamily="18" charset="0"/>
-              <a:cs typeface="Times New Roman" panose="02020603050405020304" pitchFamily="18" charset="0"/>
+            <a:endParaRPr lang="en-US" sz="1800" smtClean="0">
+              <a:latin typeface="Arial" panose="020B0604020202020204" pitchFamily="34" charset="0"/>
+              <a:cs typeface="Arial" panose="020B0604020202020204" pitchFamily="34" charset="0"/>
             </a:endParaRPr>
           </a:p>
         </p:txBody>
@@ -8541,15 +8566,15 @@
           <a:p>
             <a:r>
               <a:rPr lang="en-US">
-                <a:latin typeface="Times New Roman" panose="02020603050405020304" pitchFamily="18" charset="0"/>
-                <a:cs typeface="Times New Roman" panose="02020603050405020304" pitchFamily="18" charset="0"/>
+                <a:latin typeface="Arial" panose="020B0604020202020204" pitchFamily="34" charset="0"/>
+                <a:cs typeface="Arial" panose="020B0604020202020204" pitchFamily="34" charset="0"/>
               </a:rPr>
               <a:t>Mỗi line bộ nhớ đệm L1 có độ rộng 64 </a:t>
             </a:r>
             <a:r>
               <a:rPr lang="en-US" smtClean="0">
-                <a:latin typeface="Times New Roman" panose="02020603050405020304" pitchFamily="18" charset="0"/>
-                <a:cs typeface="Times New Roman" panose="02020603050405020304" pitchFamily="18" charset="0"/>
+                <a:latin typeface="Arial" panose="020B0604020202020204" pitchFamily="34" charset="0"/>
+                <a:cs typeface="Arial" panose="020B0604020202020204" pitchFamily="34" charset="0"/>
               </a:rPr>
               <a:t>bytes.</a:t>
             </a:r>
@@ -8557,36 +8582,36 @@
           <a:p>
             <a:r>
               <a:rPr lang="en-US" smtClean="0">
-                <a:latin typeface="Times New Roman" panose="02020603050405020304" pitchFamily="18" charset="0"/>
-                <a:cs typeface="Times New Roman" panose="02020603050405020304" pitchFamily="18" charset="0"/>
+                <a:latin typeface="Arial" panose="020B0604020202020204" pitchFamily="34" charset="0"/>
+                <a:cs typeface="Arial" panose="020B0604020202020204" pitchFamily="34" charset="0"/>
               </a:rPr>
               <a:t>Nếu </a:t>
             </a:r>
             <a:r>
               <a:rPr lang="en-US">
-                <a:latin typeface="Times New Roman" panose="02020603050405020304" pitchFamily="18" charset="0"/>
-                <a:cs typeface="Times New Roman" panose="02020603050405020304" pitchFamily="18" charset="0"/>
+                <a:latin typeface="Arial" panose="020B0604020202020204" pitchFamily="34" charset="0"/>
+                <a:cs typeface="Arial" panose="020B0604020202020204" pitchFamily="34" charset="0"/>
               </a:rPr>
               <a:t>kích cỡ mỗi kiểu dữ liệu là ước số của độ rộng mỗi line (ví dụ: 32, 16, 8, …) thì ta có thể xếp chúng vào vừa một line mà </a:t>
             </a:r>
             <a:r>
               <a:rPr lang="en-US" smtClean="0">
-                <a:latin typeface="Times New Roman" panose="02020603050405020304" pitchFamily="18" charset="0"/>
-                <a:cs typeface="Times New Roman" panose="02020603050405020304" pitchFamily="18" charset="0"/>
+                <a:latin typeface="Arial" panose="020B0604020202020204" pitchFamily="34" charset="0"/>
+                <a:cs typeface="Arial" panose="020B0604020202020204" pitchFamily="34" charset="0"/>
               </a:rPr>
               <a:t>không </a:t>
             </a:r>
             <a:r>
               <a:rPr lang="en-US">
-                <a:latin typeface="Times New Roman" panose="02020603050405020304" pitchFamily="18" charset="0"/>
-                <a:cs typeface="Times New Roman" panose="02020603050405020304" pitchFamily="18" charset="0"/>
+                <a:latin typeface="Arial" panose="020B0604020202020204" pitchFamily="34" charset="0"/>
+                <a:cs typeface="Arial" panose="020B0604020202020204" pitchFamily="34" charset="0"/>
               </a:rPr>
               <a:t>gây lãng phí bộ nhớ</a:t>
             </a:r>
             <a:r>
               <a:rPr lang="en-US" smtClean="0">
-                <a:latin typeface="Times New Roman" panose="02020603050405020304" pitchFamily="18" charset="0"/>
-                <a:cs typeface="Times New Roman" panose="02020603050405020304" pitchFamily="18" charset="0"/>
+                <a:latin typeface="Arial" panose="020B0604020202020204" pitchFamily="34" charset="0"/>
+                <a:cs typeface="Arial" panose="020B0604020202020204" pitchFamily="34" charset="0"/>
               </a:rPr>
               <a:t>.</a:t>
             </a:r>
@@ -8594,29 +8619,29 @@
           <a:p>
             <a:r>
               <a:rPr lang="en-US">
-                <a:latin typeface="Times New Roman" panose="02020603050405020304" pitchFamily="18" charset="0"/>
-                <a:cs typeface="Times New Roman" panose="02020603050405020304" pitchFamily="18" charset="0"/>
+                <a:latin typeface="Arial" panose="020B0604020202020204" pitchFamily="34" charset="0"/>
+                <a:cs typeface="Arial" panose="020B0604020202020204" pitchFamily="34" charset="0"/>
               </a:rPr>
               <a:t>T</a:t>
             </a:r>
             <a:r>
               <a:rPr lang="en-US" smtClean="0">
-                <a:latin typeface="Times New Roman" panose="02020603050405020304" pitchFamily="18" charset="0"/>
-                <a:cs typeface="Times New Roman" panose="02020603050405020304" pitchFamily="18" charset="0"/>
+                <a:latin typeface="Arial" panose="020B0604020202020204" pitchFamily="34" charset="0"/>
+                <a:cs typeface="Arial" panose="020B0604020202020204" pitchFamily="34" charset="0"/>
               </a:rPr>
               <a:t>ruy </a:t>
             </a:r>
             <a:r>
               <a:rPr lang="en-US">
-                <a:latin typeface="Times New Roman" panose="02020603050405020304" pitchFamily="18" charset="0"/>
-                <a:cs typeface="Times New Roman" panose="02020603050405020304" pitchFamily="18" charset="0"/>
+                <a:latin typeface="Arial" panose="020B0604020202020204" pitchFamily="34" charset="0"/>
+                <a:cs typeface="Arial" panose="020B0604020202020204" pitchFamily="34" charset="0"/>
               </a:rPr>
               <a:t>cập mà không sắp xếp bằng cách bỏ qua phần tử đầu tiên của mảng. Kết quả là hiệu suất giảm 8% so với việc bắt đầu thực hiện vòng lặp với j bằng 0</a:t>
             </a:r>
             <a:r>
               <a:rPr lang="en-US" smtClean="0">
-                <a:latin typeface="Times New Roman" panose="02020603050405020304" pitchFamily="18" charset="0"/>
-                <a:cs typeface="Times New Roman" panose="02020603050405020304" pitchFamily="18" charset="0"/>
+                <a:latin typeface="Arial" panose="020B0604020202020204" pitchFamily="34" charset="0"/>
+                <a:cs typeface="Arial" panose="020B0604020202020204" pitchFamily="34" charset="0"/>
               </a:rPr>
               <a:t>.</a:t>
             </a:r>
@@ -8624,15 +8649,15 @@
           <a:p>
             <a:r>
               <a:rPr lang="en-US">
-                <a:latin typeface="Times New Roman" panose="02020603050405020304" pitchFamily="18" charset="0"/>
-                <a:cs typeface="Times New Roman" panose="02020603050405020304" pitchFamily="18" charset="0"/>
+                <a:latin typeface="Arial" panose="020B0604020202020204" pitchFamily="34" charset="0"/>
+                <a:cs typeface="Arial" panose="020B0604020202020204" pitchFamily="34" charset="0"/>
               </a:rPr>
               <a:t>Với C tiêu chuẩn, malloc chỉ trả về dữ liệu sắp xếp mỗi 8 bytes</a:t>
             </a:r>
             <a:r>
               <a:rPr lang="en-US" smtClean="0">
-                <a:latin typeface="Times New Roman" panose="02020603050405020304" pitchFamily="18" charset="0"/>
-                <a:cs typeface="Times New Roman" panose="02020603050405020304" pitchFamily="18" charset="0"/>
+                <a:latin typeface="Arial" panose="020B0604020202020204" pitchFamily="34" charset="0"/>
+                <a:cs typeface="Arial" panose="020B0604020202020204" pitchFamily="34" charset="0"/>
               </a:rPr>
               <a:t>.</a:t>
             </a:r>
@@ -8640,15 +8665,15 @@
           <a:p>
             <a:r>
               <a:rPr lang="en-US">
-                <a:latin typeface="Times New Roman" panose="02020603050405020304" pitchFamily="18" charset="0"/>
-                <a:cs typeface="Times New Roman" panose="02020603050405020304" pitchFamily="18" charset="0"/>
+                <a:latin typeface="Arial" panose="020B0604020202020204" pitchFamily="34" charset="0"/>
+                <a:cs typeface="Arial" panose="020B0604020202020204" pitchFamily="34" charset="0"/>
               </a:rPr>
               <a:t>Để nhận được dữ liệu sắp xếp 32 hoặc 64 bytes ta có thể sử dụng _aligned_malloc</a:t>
             </a:r>
             <a:r>
               <a:rPr lang="en-US" smtClean="0">
-                <a:latin typeface="Times New Roman" panose="02020603050405020304" pitchFamily="18" charset="0"/>
-                <a:cs typeface="Times New Roman" panose="02020603050405020304" pitchFamily="18" charset="0"/>
+                <a:latin typeface="Arial" panose="020B0604020202020204" pitchFamily="34" charset="0"/>
+                <a:cs typeface="Arial" panose="020B0604020202020204" pitchFamily="34" charset="0"/>
               </a:rPr>
               <a:t>.</a:t>
             </a:r>
@@ -8656,8 +8681,8 @@
           <a:p>
             <a:r>
               <a:rPr lang="en-US">
-                <a:latin typeface="Times New Roman" panose="02020603050405020304" pitchFamily="18" charset="0"/>
-                <a:cs typeface="Times New Roman" panose="02020603050405020304" pitchFamily="18" charset="0"/>
+                <a:latin typeface="Arial" panose="020B0604020202020204" pitchFamily="34" charset="0"/>
+                <a:cs typeface="Arial" panose="020B0604020202020204" pitchFamily="34" charset="0"/>
               </a:rPr>
               <a:t>Hiện nay các trình biên dịch tự động gọi _aligned_malloc khi dữ liệu được sử dụng trong vòng lặp, nhưng việc đó có thể làm gia tăng sự phân mảnh dữ liệu.</a:t>
             </a:r>
